--- a/presentations/00-Preclass-loop.pptx
+++ b/presentations/00-Preclass-loop.pptx
@@ -5,7 +5,7 @@
     <p:sldMasterId id="2147483651" r:id="rId1"/>
   </p:sldMasterIdLst>
   <p:notesMasterIdLst>
-    <p:notesMasterId r:id="rId7"/>
+    <p:notesMasterId r:id="rId9"/>
   </p:notesMasterIdLst>
   <p:sldIdLst>
     <p:sldId id="259" r:id="rId2"/>
@@ -13,6 +13,8 @@
     <p:sldId id="262" r:id="rId4"/>
     <p:sldId id="261" r:id="rId5"/>
     <p:sldId id="263" r:id="rId6"/>
+    <p:sldId id="264" r:id="rId7"/>
+    <p:sldId id="266" r:id="rId8"/>
   </p:sldIdLst>
   <p:sldSz cx="24384000" cy="13716000"/>
   <p:notesSz cx="6858000" cy="9144000"/>
@@ -474,6 +476,850 @@
 </file>
 
 <file path=ppt/slideLayouts/slideLayout1.xml><?xml version="1.0" encoding="utf-8"?>
+<p:sldLayout xmlns:a="http://schemas.openxmlformats.org/drawingml/2006/main" xmlns:r="http://schemas.openxmlformats.org/officeDocument/2006/relationships" xmlns:p="http://schemas.openxmlformats.org/presentationml/2006/main" showMasterSp="0" type="title" preserve="1">
+  <p:cSld name="1_Title Slide">
+    <p:spTree>
+      <p:nvGrpSpPr>
+        <p:cNvPr id="1" name=""/>
+        <p:cNvGrpSpPr/>
+        <p:nvPr/>
+      </p:nvGrpSpPr>
+      <p:grpSpPr>
+        <a:xfrm>
+          <a:off x="0" y="0"/>
+          <a:ext cx="0" cy="0"/>
+          <a:chOff x="0" y="0"/>
+          <a:chExt cx="0" cy="0"/>
+        </a:xfrm>
+      </p:grpSpPr>
+      <p:sp>
+        <p:nvSpPr>
+          <p:cNvPr id="2" name="Title 1"/>
+          <p:cNvSpPr>
+            <a:spLocks noGrp="1"/>
+          </p:cNvSpPr>
+          <p:nvPr>
+            <p:ph type="ctrTitle"/>
+          </p:nvPr>
+        </p:nvSpPr>
+        <p:spPr>
+          <a:xfrm>
+            <a:off x="8992500" y="4260853"/>
+            <a:ext cx="14890112" cy="2940050"/>
+          </a:xfrm>
+        </p:spPr>
+        <p:txBody>
+          <a:bodyPr>
+            <a:normAutofit/>
+          </a:bodyPr>
+          <a:lstStyle>
+            <a:lvl1pPr algn="l">
+              <a:defRPr sz="10800"/>
+            </a:lvl1pPr>
+          </a:lstStyle>
+          <a:p>
+            <a:r>
+              <a:rPr lang="en-US" dirty="0"/>
+              <a:t>Click to edit Master title style</a:t>
+            </a:r>
+          </a:p>
+        </p:txBody>
+      </p:sp>
+      <p:sp>
+        <p:nvSpPr>
+          <p:cNvPr id="3" name="Subtitle 2"/>
+          <p:cNvSpPr>
+            <a:spLocks noGrp="1"/>
+          </p:cNvSpPr>
+          <p:nvPr>
+            <p:ph type="subTitle" idx="1"/>
+          </p:nvPr>
+        </p:nvSpPr>
+        <p:spPr>
+          <a:xfrm>
+            <a:off x="8992499" y="7772400"/>
+            <a:ext cx="14890114" cy="3505200"/>
+          </a:xfrm>
+        </p:spPr>
+        <p:txBody>
+          <a:bodyPr/>
+          <a:lstStyle>
+            <a:lvl1pPr marL="0" indent="0" algn="ctr">
+              <a:buNone/>
+              <a:defRPr>
+                <a:solidFill>
+                  <a:schemeClr val="tx1">
+                    <a:tint val="75000"/>
+                  </a:schemeClr>
+                </a:solidFill>
+              </a:defRPr>
+            </a:lvl1pPr>
+            <a:lvl2pPr marL="914400" indent="0" algn="ctr">
+              <a:buNone/>
+              <a:defRPr>
+                <a:solidFill>
+                  <a:schemeClr val="tx1">
+                    <a:tint val="75000"/>
+                  </a:schemeClr>
+                </a:solidFill>
+              </a:defRPr>
+            </a:lvl2pPr>
+            <a:lvl3pPr marL="1828800" indent="0" algn="ctr">
+              <a:buNone/>
+              <a:defRPr>
+                <a:solidFill>
+                  <a:schemeClr val="tx1">
+                    <a:tint val="75000"/>
+                  </a:schemeClr>
+                </a:solidFill>
+              </a:defRPr>
+            </a:lvl3pPr>
+            <a:lvl4pPr marL="2743200" indent="0" algn="ctr">
+              <a:buNone/>
+              <a:defRPr>
+                <a:solidFill>
+                  <a:schemeClr val="tx1">
+                    <a:tint val="75000"/>
+                  </a:schemeClr>
+                </a:solidFill>
+              </a:defRPr>
+            </a:lvl4pPr>
+            <a:lvl5pPr marL="3657600" indent="0" algn="ctr">
+              <a:buNone/>
+              <a:defRPr>
+                <a:solidFill>
+                  <a:schemeClr val="tx1">
+                    <a:tint val="75000"/>
+                  </a:schemeClr>
+                </a:solidFill>
+              </a:defRPr>
+            </a:lvl5pPr>
+            <a:lvl6pPr marL="4572000" indent="0" algn="ctr">
+              <a:buNone/>
+              <a:defRPr>
+                <a:solidFill>
+                  <a:schemeClr val="tx1">
+                    <a:tint val="75000"/>
+                  </a:schemeClr>
+                </a:solidFill>
+              </a:defRPr>
+            </a:lvl6pPr>
+            <a:lvl7pPr marL="5486400" indent="0" algn="ctr">
+              <a:buNone/>
+              <a:defRPr>
+                <a:solidFill>
+                  <a:schemeClr val="tx1">
+                    <a:tint val="75000"/>
+                  </a:schemeClr>
+                </a:solidFill>
+              </a:defRPr>
+            </a:lvl7pPr>
+            <a:lvl8pPr marL="6400800" indent="0" algn="ctr">
+              <a:buNone/>
+              <a:defRPr>
+                <a:solidFill>
+                  <a:schemeClr val="tx1">
+                    <a:tint val="75000"/>
+                  </a:schemeClr>
+                </a:solidFill>
+              </a:defRPr>
+            </a:lvl8pPr>
+            <a:lvl9pPr marL="7315200" indent="0" algn="ctr">
+              <a:buNone/>
+              <a:defRPr>
+                <a:solidFill>
+                  <a:schemeClr val="tx1">
+                    <a:tint val="75000"/>
+                  </a:schemeClr>
+                </a:solidFill>
+              </a:defRPr>
+            </a:lvl9pPr>
+          </a:lstStyle>
+          <a:p>
+            <a:r>
+              <a:rPr lang="en-US"/>
+              <a:t>Click to edit Master subtitle style</a:t>
+            </a:r>
+          </a:p>
+        </p:txBody>
+      </p:sp>
+      <p:sp>
+        <p:nvSpPr>
+          <p:cNvPr id="6" name="Slide Number Placeholder 5"/>
+          <p:cNvSpPr>
+            <a:spLocks noGrp="1"/>
+          </p:cNvSpPr>
+          <p:nvPr>
+            <p:ph type="sldNum" sz="quarter" idx="12"/>
+          </p:nvPr>
+        </p:nvSpPr>
+        <p:spPr/>
+        <p:txBody>
+          <a:bodyPr/>
+          <a:lstStyle/>
+          <a:p>
+            <a:fld id="{0E2E82AA-D971-1C41-B647-A81EC8BD37E8}" type="slidenum">
+              <a:rPr lang="en-US" smtClean="0"/>
+              <a:t>‹#›</a:t>
+            </a:fld>
+            <a:endParaRPr lang="en-US"/>
+          </a:p>
+        </p:txBody>
+      </p:sp>
+      <p:pic>
+        <p:nvPicPr>
+          <p:cNvPr id="4" name="Picture 3">
+            <a:extLst>
+              <a:ext uri="{FF2B5EF4-FFF2-40B4-BE49-F238E27FC236}">
+                <a16:creationId xmlns:a16="http://schemas.microsoft.com/office/drawing/2014/main" id="{7CF32BC0-7179-6649-A204-085455226D78}"/>
+              </a:ext>
+            </a:extLst>
+          </p:cNvPr>
+          <p:cNvPicPr>
+            <a:picLocks/>
+          </p:cNvPicPr>
+          <p:nvPr userDrawn="1"/>
+        </p:nvPicPr>
+        <p:blipFill>
+          <a:blip r:embed="rId2"/>
+          <a:stretch>
+            <a:fillRect/>
+          </a:stretch>
+        </p:blipFill>
+        <p:spPr>
+          <a:xfrm>
+            <a:off x="-2" y="0"/>
+            <a:ext cx="7498080" cy="13716000"/>
+          </a:xfrm>
+          <a:prstGeom prst="rect">
+            <a:avLst/>
+          </a:prstGeom>
+        </p:spPr>
+      </p:pic>
+    </p:spTree>
+    <p:extLst>
+      <p:ext uri="{BB962C8B-B14F-4D97-AF65-F5344CB8AC3E}">
+        <p14:creationId xmlns:p14="http://schemas.microsoft.com/office/powerpoint/2010/main" val="2289821601"/>
+      </p:ext>
+    </p:extLst>
+  </p:cSld>
+  <p:clrMapOvr>
+    <a:masterClrMapping/>
+  </p:clrMapOvr>
+  <p:timing>
+    <p:tnLst>
+      <p:par>
+        <p:cTn id="1" dur="indefinite" restart="never" nodeType="tmRoot"/>
+      </p:par>
+    </p:tnLst>
+  </p:timing>
+</p:sldLayout>
+</file>
+
+<file path=ppt/slideLayouts/slideLayout10.xml><?xml version="1.0" encoding="utf-8"?>
+<p:sldLayout xmlns:a="http://schemas.openxmlformats.org/drawingml/2006/main" xmlns:r="http://schemas.openxmlformats.org/officeDocument/2006/relationships" xmlns:p="http://schemas.openxmlformats.org/presentationml/2006/main" type="picTx" preserve="1">
+  <p:cSld name="Picture with Caption">
+    <p:spTree>
+      <p:nvGrpSpPr>
+        <p:cNvPr id="1" name=""/>
+        <p:cNvGrpSpPr/>
+        <p:nvPr/>
+      </p:nvGrpSpPr>
+      <p:grpSpPr>
+        <a:xfrm>
+          <a:off x="0" y="0"/>
+          <a:ext cx="0" cy="0"/>
+          <a:chOff x="0" y="0"/>
+          <a:chExt cx="0" cy="0"/>
+        </a:xfrm>
+      </p:grpSpPr>
+      <p:sp>
+        <p:nvSpPr>
+          <p:cNvPr id="2" name="Title 1"/>
+          <p:cNvSpPr>
+            <a:spLocks noGrp="1"/>
+          </p:cNvSpPr>
+          <p:nvPr>
+            <p:ph type="title"/>
+          </p:nvPr>
+        </p:nvSpPr>
+        <p:spPr>
+          <a:xfrm>
+            <a:off x="1679575" y="914400"/>
+            <a:ext cx="7864475" cy="3200400"/>
+          </a:xfrm>
+        </p:spPr>
+        <p:txBody>
+          <a:bodyPr anchor="b"/>
+          <a:lstStyle>
+            <a:lvl1pPr>
+              <a:defRPr sz="3200"/>
+            </a:lvl1pPr>
+          </a:lstStyle>
+          <a:p>
+            <a:r>
+              <a:rPr lang="en-US" smtClean="0"/>
+              <a:t>Click to edit Master title style</a:t>
+            </a:r>
+            <a:endParaRPr lang="en-US"/>
+          </a:p>
+        </p:txBody>
+      </p:sp>
+      <p:sp>
+        <p:nvSpPr>
+          <p:cNvPr id="3" name="Picture Placeholder 2"/>
+          <p:cNvSpPr>
+            <a:spLocks noGrp="1"/>
+          </p:cNvSpPr>
+          <p:nvPr>
+            <p:ph type="pic" idx="1"/>
+          </p:nvPr>
+        </p:nvSpPr>
+        <p:spPr>
+          <a:xfrm>
+            <a:off x="10366375" y="1974850"/>
+            <a:ext cx="12344400" cy="9747250"/>
+          </a:xfrm>
+        </p:spPr>
+        <p:txBody>
+          <a:bodyPr/>
+          <a:lstStyle>
+            <a:lvl1pPr marL="0" indent="0">
+              <a:buNone/>
+              <a:defRPr sz="3200"/>
+            </a:lvl1pPr>
+            <a:lvl2pPr marL="457200" indent="0">
+              <a:buNone/>
+              <a:defRPr sz="2800"/>
+            </a:lvl2pPr>
+            <a:lvl3pPr marL="914400" indent="0">
+              <a:buNone/>
+              <a:defRPr sz="2400"/>
+            </a:lvl3pPr>
+            <a:lvl4pPr marL="1371600" indent="0">
+              <a:buNone/>
+              <a:defRPr sz="2000"/>
+            </a:lvl4pPr>
+            <a:lvl5pPr marL="1828800" indent="0">
+              <a:buNone/>
+              <a:defRPr sz="2000"/>
+            </a:lvl5pPr>
+            <a:lvl6pPr marL="2286000" indent="0">
+              <a:buNone/>
+              <a:defRPr sz="2000"/>
+            </a:lvl6pPr>
+            <a:lvl7pPr marL="2743200" indent="0">
+              <a:buNone/>
+              <a:defRPr sz="2000"/>
+            </a:lvl7pPr>
+            <a:lvl8pPr marL="3200400" indent="0">
+              <a:buNone/>
+              <a:defRPr sz="2000"/>
+            </a:lvl8pPr>
+            <a:lvl9pPr marL="3657600" indent="0">
+              <a:buNone/>
+              <a:defRPr sz="2000"/>
+            </a:lvl9pPr>
+          </a:lstStyle>
+          <a:p>
+            <a:endParaRPr lang="en-US"/>
+          </a:p>
+        </p:txBody>
+      </p:sp>
+      <p:sp>
+        <p:nvSpPr>
+          <p:cNvPr id="4" name="Text Placeholder 3"/>
+          <p:cNvSpPr>
+            <a:spLocks noGrp="1"/>
+          </p:cNvSpPr>
+          <p:nvPr>
+            <p:ph type="body" sz="half" idx="2"/>
+          </p:nvPr>
+        </p:nvSpPr>
+        <p:spPr>
+          <a:xfrm>
+            <a:off x="1679575" y="4114800"/>
+            <a:ext cx="7864475" cy="7623175"/>
+          </a:xfrm>
+        </p:spPr>
+        <p:txBody>
+          <a:bodyPr/>
+          <a:lstStyle>
+            <a:lvl1pPr marL="0" indent="0">
+              <a:buNone/>
+              <a:defRPr sz="1600"/>
+            </a:lvl1pPr>
+            <a:lvl2pPr marL="457200" indent="0">
+              <a:buNone/>
+              <a:defRPr sz="1400"/>
+            </a:lvl2pPr>
+            <a:lvl3pPr marL="914400" indent="0">
+              <a:buNone/>
+              <a:defRPr sz="1200"/>
+            </a:lvl3pPr>
+            <a:lvl4pPr marL="1371600" indent="0">
+              <a:buNone/>
+              <a:defRPr sz="1000"/>
+            </a:lvl4pPr>
+            <a:lvl5pPr marL="1828800" indent="0">
+              <a:buNone/>
+              <a:defRPr sz="1000"/>
+            </a:lvl5pPr>
+            <a:lvl6pPr marL="2286000" indent="0">
+              <a:buNone/>
+              <a:defRPr sz="1000"/>
+            </a:lvl6pPr>
+            <a:lvl7pPr marL="2743200" indent="0">
+              <a:buNone/>
+              <a:defRPr sz="1000"/>
+            </a:lvl7pPr>
+            <a:lvl8pPr marL="3200400" indent="0">
+              <a:buNone/>
+              <a:defRPr sz="1000"/>
+            </a:lvl8pPr>
+            <a:lvl9pPr marL="3657600" indent="0">
+              <a:buNone/>
+              <a:defRPr sz="1000"/>
+            </a:lvl9pPr>
+          </a:lstStyle>
+          <a:p>
+            <a:pPr lvl="0"/>
+            <a:r>
+              <a:rPr lang="en-US" smtClean="0"/>
+              <a:t>Edit Master text styles</a:t>
+            </a:r>
+          </a:p>
+        </p:txBody>
+      </p:sp>
+      <p:sp>
+        <p:nvSpPr>
+          <p:cNvPr id="5" name="Date Placeholder 4"/>
+          <p:cNvSpPr>
+            <a:spLocks noGrp="1"/>
+          </p:cNvSpPr>
+          <p:nvPr>
+            <p:ph type="dt" sz="half" idx="10"/>
+          </p:nvPr>
+        </p:nvSpPr>
+        <p:spPr/>
+        <p:txBody>
+          <a:bodyPr/>
+          <a:lstStyle/>
+          <a:p>
+            <a:fld id="{2D6DAF89-3AED-471D-969C-B06C55BA83EF}" type="datetimeFigureOut">
+              <a:rPr lang="en-US" smtClean="0"/>
+              <a:t>7/7/2020</a:t>
+            </a:fld>
+            <a:endParaRPr lang="en-US"/>
+          </a:p>
+        </p:txBody>
+      </p:sp>
+      <p:sp>
+        <p:nvSpPr>
+          <p:cNvPr id="6" name="Footer Placeholder 5"/>
+          <p:cNvSpPr>
+            <a:spLocks noGrp="1"/>
+          </p:cNvSpPr>
+          <p:nvPr>
+            <p:ph type="ftr" sz="quarter" idx="11"/>
+          </p:nvPr>
+        </p:nvSpPr>
+        <p:spPr/>
+        <p:txBody>
+          <a:bodyPr/>
+          <a:lstStyle/>
+          <a:p>
+            <a:endParaRPr lang="en-US"/>
+          </a:p>
+        </p:txBody>
+      </p:sp>
+      <p:sp>
+        <p:nvSpPr>
+          <p:cNvPr id="7" name="Slide Number Placeholder 6"/>
+          <p:cNvSpPr>
+            <a:spLocks noGrp="1"/>
+          </p:cNvSpPr>
+          <p:nvPr>
+            <p:ph type="sldNum" sz="quarter" idx="12"/>
+          </p:nvPr>
+        </p:nvSpPr>
+        <p:spPr/>
+        <p:txBody>
+          <a:bodyPr/>
+          <a:lstStyle/>
+          <a:p>
+            <a:fld id="{A410139C-2CBA-4AFF-8448-84DD3ECCA96C}" type="slidenum">
+              <a:rPr lang="en-US" smtClean="0"/>
+              <a:t>‹#›</a:t>
+            </a:fld>
+            <a:endParaRPr lang="en-US"/>
+          </a:p>
+        </p:txBody>
+      </p:sp>
+    </p:spTree>
+    <p:extLst>
+      <p:ext uri="{BB962C8B-B14F-4D97-AF65-F5344CB8AC3E}">
+        <p14:creationId xmlns:p14="http://schemas.microsoft.com/office/powerpoint/2010/main" val="1296366620"/>
+      </p:ext>
+    </p:extLst>
+  </p:cSld>
+  <p:clrMapOvr>
+    <a:masterClrMapping/>
+  </p:clrMapOvr>
+</p:sldLayout>
+</file>
+
+<file path=ppt/slideLayouts/slideLayout11.xml><?xml version="1.0" encoding="utf-8"?>
+<p:sldLayout xmlns:a="http://schemas.openxmlformats.org/drawingml/2006/main" xmlns:r="http://schemas.openxmlformats.org/officeDocument/2006/relationships" xmlns:p="http://schemas.openxmlformats.org/presentationml/2006/main" type="vertTx" preserve="1">
+  <p:cSld name="Title and Vertical Text">
+    <p:spTree>
+      <p:nvGrpSpPr>
+        <p:cNvPr id="1" name=""/>
+        <p:cNvGrpSpPr/>
+        <p:nvPr/>
+      </p:nvGrpSpPr>
+      <p:grpSpPr>
+        <a:xfrm>
+          <a:off x="0" y="0"/>
+          <a:ext cx="0" cy="0"/>
+          <a:chOff x="0" y="0"/>
+          <a:chExt cx="0" cy="0"/>
+        </a:xfrm>
+      </p:grpSpPr>
+      <p:sp>
+        <p:nvSpPr>
+          <p:cNvPr id="2" name="Title 1"/>
+          <p:cNvSpPr>
+            <a:spLocks noGrp="1"/>
+          </p:cNvSpPr>
+          <p:nvPr>
+            <p:ph type="title"/>
+          </p:nvPr>
+        </p:nvSpPr>
+        <p:spPr/>
+        <p:txBody>
+          <a:bodyPr/>
+          <a:lstStyle/>
+          <a:p>
+            <a:r>
+              <a:rPr lang="en-US" smtClean="0"/>
+              <a:t>Click to edit Master title style</a:t>
+            </a:r>
+            <a:endParaRPr lang="en-US"/>
+          </a:p>
+        </p:txBody>
+      </p:sp>
+      <p:sp>
+        <p:nvSpPr>
+          <p:cNvPr id="3" name="Vertical Text Placeholder 2"/>
+          <p:cNvSpPr>
+            <a:spLocks noGrp="1"/>
+          </p:cNvSpPr>
+          <p:nvPr>
+            <p:ph type="body" orient="vert" idx="1"/>
+          </p:nvPr>
+        </p:nvSpPr>
+        <p:spPr/>
+        <p:txBody>
+          <a:bodyPr vert="eaVert"/>
+          <a:lstStyle/>
+          <a:p>
+            <a:pPr lvl="0"/>
+            <a:r>
+              <a:rPr lang="en-US" smtClean="0"/>
+              <a:t>Edit Master text styles</a:t>
+            </a:r>
+          </a:p>
+          <a:p>
+            <a:pPr lvl="1"/>
+            <a:r>
+              <a:rPr lang="en-US" smtClean="0"/>
+              <a:t>Second level</a:t>
+            </a:r>
+          </a:p>
+          <a:p>
+            <a:pPr lvl="2"/>
+            <a:r>
+              <a:rPr lang="en-US" smtClean="0"/>
+              <a:t>Third level</a:t>
+            </a:r>
+          </a:p>
+          <a:p>
+            <a:pPr lvl="3"/>
+            <a:r>
+              <a:rPr lang="en-US" smtClean="0"/>
+              <a:t>Fourth level</a:t>
+            </a:r>
+          </a:p>
+          <a:p>
+            <a:pPr lvl="4"/>
+            <a:r>
+              <a:rPr lang="en-US" smtClean="0"/>
+              <a:t>Fifth level</a:t>
+            </a:r>
+            <a:endParaRPr lang="en-US"/>
+          </a:p>
+        </p:txBody>
+      </p:sp>
+      <p:sp>
+        <p:nvSpPr>
+          <p:cNvPr id="4" name="Date Placeholder 3"/>
+          <p:cNvSpPr>
+            <a:spLocks noGrp="1"/>
+          </p:cNvSpPr>
+          <p:nvPr>
+            <p:ph type="dt" sz="half" idx="10"/>
+          </p:nvPr>
+        </p:nvSpPr>
+        <p:spPr/>
+        <p:txBody>
+          <a:bodyPr/>
+          <a:lstStyle/>
+          <a:p>
+            <a:fld id="{2D6DAF89-3AED-471D-969C-B06C55BA83EF}" type="datetimeFigureOut">
+              <a:rPr lang="en-US" smtClean="0"/>
+              <a:t>7/7/2020</a:t>
+            </a:fld>
+            <a:endParaRPr lang="en-US"/>
+          </a:p>
+        </p:txBody>
+      </p:sp>
+      <p:sp>
+        <p:nvSpPr>
+          <p:cNvPr id="5" name="Footer Placeholder 4"/>
+          <p:cNvSpPr>
+            <a:spLocks noGrp="1"/>
+          </p:cNvSpPr>
+          <p:nvPr>
+            <p:ph type="ftr" sz="quarter" idx="11"/>
+          </p:nvPr>
+        </p:nvSpPr>
+        <p:spPr/>
+        <p:txBody>
+          <a:bodyPr/>
+          <a:lstStyle/>
+          <a:p>
+            <a:endParaRPr lang="en-US"/>
+          </a:p>
+        </p:txBody>
+      </p:sp>
+      <p:sp>
+        <p:nvSpPr>
+          <p:cNvPr id="6" name="Slide Number Placeholder 5"/>
+          <p:cNvSpPr>
+            <a:spLocks noGrp="1"/>
+          </p:cNvSpPr>
+          <p:nvPr>
+            <p:ph type="sldNum" sz="quarter" idx="12"/>
+          </p:nvPr>
+        </p:nvSpPr>
+        <p:spPr/>
+        <p:txBody>
+          <a:bodyPr/>
+          <a:lstStyle/>
+          <a:p>
+            <a:fld id="{A410139C-2CBA-4AFF-8448-84DD3ECCA96C}" type="slidenum">
+              <a:rPr lang="en-US" smtClean="0"/>
+              <a:t>‹#›</a:t>
+            </a:fld>
+            <a:endParaRPr lang="en-US"/>
+          </a:p>
+        </p:txBody>
+      </p:sp>
+    </p:spTree>
+    <p:extLst>
+      <p:ext uri="{BB962C8B-B14F-4D97-AF65-F5344CB8AC3E}">
+        <p14:creationId xmlns:p14="http://schemas.microsoft.com/office/powerpoint/2010/main" val="2078264507"/>
+      </p:ext>
+    </p:extLst>
+  </p:cSld>
+  <p:clrMapOvr>
+    <a:masterClrMapping/>
+  </p:clrMapOvr>
+</p:sldLayout>
+</file>
+
+<file path=ppt/slideLayouts/slideLayout12.xml><?xml version="1.0" encoding="utf-8"?>
+<p:sldLayout xmlns:a="http://schemas.openxmlformats.org/drawingml/2006/main" xmlns:r="http://schemas.openxmlformats.org/officeDocument/2006/relationships" xmlns:p="http://schemas.openxmlformats.org/presentationml/2006/main" type="vertTitleAndTx" preserve="1">
+  <p:cSld name="Vertical Title and Text">
+    <p:spTree>
+      <p:nvGrpSpPr>
+        <p:cNvPr id="1" name=""/>
+        <p:cNvGrpSpPr/>
+        <p:nvPr/>
+      </p:nvGrpSpPr>
+      <p:grpSpPr>
+        <a:xfrm>
+          <a:off x="0" y="0"/>
+          <a:ext cx="0" cy="0"/>
+          <a:chOff x="0" y="0"/>
+          <a:chExt cx="0" cy="0"/>
+        </a:xfrm>
+      </p:grpSpPr>
+      <p:sp>
+        <p:nvSpPr>
+          <p:cNvPr id="2" name="Vertical Title 1"/>
+          <p:cNvSpPr>
+            <a:spLocks noGrp="1"/>
+          </p:cNvSpPr>
+          <p:nvPr>
+            <p:ph type="title" orient="vert"/>
+          </p:nvPr>
+        </p:nvSpPr>
+        <p:spPr>
+          <a:xfrm>
+            <a:off x="17449800" y="730250"/>
+            <a:ext cx="5257800" cy="11623675"/>
+          </a:xfrm>
+        </p:spPr>
+        <p:txBody>
+          <a:bodyPr vert="eaVert"/>
+          <a:lstStyle/>
+          <a:p>
+            <a:r>
+              <a:rPr lang="en-US" smtClean="0"/>
+              <a:t>Click to edit Master title style</a:t>
+            </a:r>
+            <a:endParaRPr lang="en-US"/>
+          </a:p>
+        </p:txBody>
+      </p:sp>
+      <p:sp>
+        <p:nvSpPr>
+          <p:cNvPr id="3" name="Vertical Text Placeholder 2"/>
+          <p:cNvSpPr>
+            <a:spLocks noGrp="1"/>
+          </p:cNvSpPr>
+          <p:nvPr>
+            <p:ph type="body" orient="vert" idx="1"/>
+          </p:nvPr>
+        </p:nvSpPr>
+        <p:spPr>
+          <a:xfrm>
+            <a:off x="1676400" y="730250"/>
+            <a:ext cx="15621000" cy="11623675"/>
+          </a:xfrm>
+        </p:spPr>
+        <p:txBody>
+          <a:bodyPr vert="eaVert"/>
+          <a:lstStyle/>
+          <a:p>
+            <a:pPr lvl="0"/>
+            <a:r>
+              <a:rPr lang="en-US" smtClean="0"/>
+              <a:t>Edit Master text styles</a:t>
+            </a:r>
+          </a:p>
+          <a:p>
+            <a:pPr lvl="1"/>
+            <a:r>
+              <a:rPr lang="en-US" smtClean="0"/>
+              <a:t>Second level</a:t>
+            </a:r>
+          </a:p>
+          <a:p>
+            <a:pPr lvl="2"/>
+            <a:r>
+              <a:rPr lang="en-US" smtClean="0"/>
+              <a:t>Third level</a:t>
+            </a:r>
+          </a:p>
+          <a:p>
+            <a:pPr lvl="3"/>
+            <a:r>
+              <a:rPr lang="en-US" smtClean="0"/>
+              <a:t>Fourth level</a:t>
+            </a:r>
+          </a:p>
+          <a:p>
+            <a:pPr lvl="4"/>
+            <a:r>
+              <a:rPr lang="en-US" smtClean="0"/>
+              <a:t>Fifth level</a:t>
+            </a:r>
+            <a:endParaRPr lang="en-US"/>
+          </a:p>
+        </p:txBody>
+      </p:sp>
+      <p:sp>
+        <p:nvSpPr>
+          <p:cNvPr id="4" name="Date Placeholder 3"/>
+          <p:cNvSpPr>
+            <a:spLocks noGrp="1"/>
+          </p:cNvSpPr>
+          <p:nvPr>
+            <p:ph type="dt" sz="half" idx="10"/>
+          </p:nvPr>
+        </p:nvSpPr>
+        <p:spPr/>
+        <p:txBody>
+          <a:bodyPr/>
+          <a:lstStyle/>
+          <a:p>
+            <a:fld id="{2D6DAF89-3AED-471D-969C-B06C55BA83EF}" type="datetimeFigureOut">
+              <a:rPr lang="en-US" smtClean="0"/>
+              <a:t>7/7/2020</a:t>
+            </a:fld>
+            <a:endParaRPr lang="en-US"/>
+          </a:p>
+        </p:txBody>
+      </p:sp>
+      <p:sp>
+        <p:nvSpPr>
+          <p:cNvPr id="5" name="Footer Placeholder 4"/>
+          <p:cNvSpPr>
+            <a:spLocks noGrp="1"/>
+          </p:cNvSpPr>
+          <p:nvPr>
+            <p:ph type="ftr" sz="quarter" idx="11"/>
+          </p:nvPr>
+        </p:nvSpPr>
+        <p:spPr/>
+        <p:txBody>
+          <a:bodyPr/>
+          <a:lstStyle/>
+          <a:p>
+            <a:endParaRPr lang="en-US"/>
+          </a:p>
+        </p:txBody>
+      </p:sp>
+      <p:sp>
+        <p:nvSpPr>
+          <p:cNvPr id="6" name="Slide Number Placeholder 5"/>
+          <p:cNvSpPr>
+            <a:spLocks noGrp="1"/>
+          </p:cNvSpPr>
+          <p:nvPr>
+            <p:ph type="sldNum" sz="quarter" idx="12"/>
+          </p:nvPr>
+        </p:nvSpPr>
+        <p:spPr/>
+        <p:txBody>
+          <a:bodyPr/>
+          <a:lstStyle/>
+          <a:p>
+            <a:fld id="{A410139C-2CBA-4AFF-8448-84DD3ECCA96C}" type="slidenum">
+              <a:rPr lang="en-US" smtClean="0"/>
+              <a:t>‹#›</a:t>
+            </a:fld>
+            <a:endParaRPr lang="en-US"/>
+          </a:p>
+        </p:txBody>
+      </p:sp>
+    </p:spTree>
+    <p:extLst>
+      <p:ext uri="{BB962C8B-B14F-4D97-AF65-F5344CB8AC3E}">
+        <p14:creationId xmlns:p14="http://schemas.microsoft.com/office/powerpoint/2010/main" val="3396853183"/>
+      </p:ext>
+    </p:extLst>
+  </p:cSld>
+  <p:clrMapOvr>
+    <a:masterClrMapping/>
+  </p:clrMapOvr>
+</p:sldLayout>
+</file>
+
+<file path=ppt/slideLayouts/slideLayout2.xml><?xml version="1.0" encoding="utf-8"?>
 <p:sldLayout xmlns:a="http://schemas.openxmlformats.org/drawingml/2006/main" xmlns:r="http://schemas.openxmlformats.org/officeDocument/2006/relationships" xmlns:p="http://schemas.openxmlformats.org/presentationml/2006/main" type="title" preserve="1">
   <p:cSld name="Title Slide">
     <p:spTree>
@@ -497,7 +1343,7 @@
             <a:spLocks noGrp="1"/>
           </p:cNvSpPr>
           <p:nvPr>
-            <p:ph type="ctrTitle"/>
+            <p:ph type="ctrTitle" hasCustomPrompt="1"/>
           </p:nvPr>
         </p:nvSpPr>
         <p:spPr>
@@ -507,18 +1353,61 @@
           </a:xfrm>
         </p:spPr>
         <p:txBody>
-          <a:bodyPr anchor="b"/>
+          <a:bodyPr anchor="b">
+            <a:normAutofit/>
+          </a:bodyPr>
           <a:lstStyle>
-            <a:lvl1pPr algn="ctr">
-              <a:defRPr sz="6000"/>
+            <a:lvl1pPr marL="0" marR="0" indent="0" algn="ctr" defTabSz="914400" rtl="0" eaLnBrk="1" fontAlgn="auto" latinLnBrk="0" hangingPunct="1">
+              <a:lnSpc>
+                <a:spcPct val="90000"/>
+              </a:lnSpc>
+              <a:spcBef>
+                <a:spcPct val="0"/>
+              </a:spcBef>
+              <a:spcAft>
+                <a:spcPts val="0"/>
+              </a:spcAft>
+              <a:buClrTx/>
+              <a:buSzTx/>
+              <a:buFontTx/>
+              <a:buNone/>
+              <a:tabLst/>
+              <a:defRPr sz="9600"/>
             </a:lvl1pPr>
           </a:lstStyle>
           <a:p>
-            <a:r>
-              <a:rPr lang="en-US" smtClean="0"/>
-              <a:t>Click to edit Master title style</a:t>
-            </a:r>
-            <a:endParaRPr lang="en-US"/>
+            <a:pPr marL="0" marR="0" lvl="0" indent="0" algn="ctr" defTabSz="914400" rtl="0" eaLnBrk="1" fontAlgn="auto" latinLnBrk="0" hangingPunct="1">
+              <a:lnSpc>
+                <a:spcPct val="90000"/>
+              </a:lnSpc>
+              <a:spcBef>
+                <a:spcPct val="0"/>
+              </a:spcBef>
+              <a:spcAft>
+                <a:spcPts val="0"/>
+              </a:spcAft>
+              <a:buClrTx/>
+              <a:buSzTx/>
+              <a:buFontTx/>
+              <a:buNone/>
+              <a:tabLst/>
+              <a:defRPr/>
+            </a:pPr>
+            <a:r>
+              <a:rPr lang="en-US" sz="9600" dirty="0" smtClean="0"/>
+              <a:t>Welcome to the Association for Pathology Informatics </a:t>
+            </a:r>
+            <a:br>
+              <a:rPr lang="en-US" sz="9600" dirty="0" smtClean="0"/>
+            </a:br>
+            <a:r>
+              <a:rPr lang="en-US" sz="9600" dirty="0" smtClean="0"/>
+              <a:t>Introduction to R Workshop</a:t>
+            </a:r>
+            <a:br>
+              <a:rPr lang="en-US" sz="9600" dirty="0" smtClean="0"/>
+            </a:br>
+            <a:endParaRPr lang="en-US" dirty="0"/>
           </a:p>
         </p:txBody>
       </p:sp>
@@ -604,7 +1493,7 @@
           <a:p>
             <a:fld id="{2D6DAF89-3AED-471D-969C-B06C55BA83EF}" type="datetimeFigureOut">
               <a:rPr lang="en-US" smtClean="0"/>
-              <a:t>7/7/2020</a:t>
+              <a:t>7/9/2020</a:t>
             </a:fld>
             <a:endParaRPr lang="en-US"/>
           </a:p>
@@ -662,360 +1551,17 @@
   <p:clrMapOvr>
     <a:masterClrMapping/>
   </p:clrMapOvr>
+  <p:timing>
+    <p:tnLst>
+      <p:par>
+        <p:cTn id="1" dur="indefinite" restart="never" nodeType="tmRoot"/>
+      </p:par>
+    </p:tnLst>
+  </p:timing>
 </p:sldLayout>
 </file>
 
-<file path=ppt/slideLayouts/slideLayout10.xml><?xml version="1.0" encoding="utf-8"?>
-<p:sldLayout xmlns:a="http://schemas.openxmlformats.org/drawingml/2006/main" xmlns:r="http://schemas.openxmlformats.org/officeDocument/2006/relationships" xmlns:p="http://schemas.openxmlformats.org/presentationml/2006/main" type="vertTx" preserve="1">
-  <p:cSld name="Title and Vertical Text">
-    <p:spTree>
-      <p:nvGrpSpPr>
-        <p:cNvPr id="1" name=""/>
-        <p:cNvGrpSpPr/>
-        <p:nvPr/>
-      </p:nvGrpSpPr>
-      <p:grpSpPr>
-        <a:xfrm>
-          <a:off x="0" y="0"/>
-          <a:ext cx="0" cy="0"/>
-          <a:chOff x="0" y="0"/>
-          <a:chExt cx="0" cy="0"/>
-        </a:xfrm>
-      </p:grpSpPr>
-      <p:sp>
-        <p:nvSpPr>
-          <p:cNvPr id="2" name="Title 1"/>
-          <p:cNvSpPr>
-            <a:spLocks noGrp="1"/>
-          </p:cNvSpPr>
-          <p:nvPr>
-            <p:ph type="title"/>
-          </p:nvPr>
-        </p:nvSpPr>
-        <p:spPr/>
-        <p:txBody>
-          <a:bodyPr/>
-          <a:lstStyle/>
-          <a:p>
-            <a:r>
-              <a:rPr lang="en-US" smtClean="0"/>
-              <a:t>Click to edit Master title style</a:t>
-            </a:r>
-            <a:endParaRPr lang="en-US"/>
-          </a:p>
-        </p:txBody>
-      </p:sp>
-      <p:sp>
-        <p:nvSpPr>
-          <p:cNvPr id="3" name="Vertical Text Placeholder 2"/>
-          <p:cNvSpPr>
-            <a:spLocks noGrp="1"/>
-          </p:cNvSpPr>
-          <p:nvPr>
-            <p:ph type="body" orient="vert" idx="1"/>
-          </p:nvPr>
-        </p:nvSpPr>
-        <p:spPr/>
-        <p:txBody>
-          <a:bodyPr vert="eaVert"/>
-          <a:lstStyle/>
-          <a:p>
-            <a:pPr lvl="0"/>
-            <a:r>
-              <a:rPr lang="en-US" smtClean="0"/>
-              <a:t>Edit Master text styles</a:t>
-            </a:r>
-          </a:p>
-          <a:p>
-            <a:pPr lvl="1"/>
-            <a:r>
-              <a:rPr lang="en-US" smtClean="0"/>
-              <a:t>Second level</a:t>
-            </a:r>
-          </a:p>
-          <a:p>
-            <a:pPr lvl="2"/>
-            <a:r>
-              <a:rPr lang="en-US" smtClean="0"/>
-              <a:t>Third level</a:t>
-            </a:r>
-          </a:p>
-          <a:p>
-            <a:pPr lvl="3"/>
-            <a:r>
-              <a:rPr lang="en-US" smtClean="0"/>
-              <a:t>Fourth level</a:t>
-            </a:r>
-          </a:p>
-          <a:p>
-            <a:pPr lvl="4"/>
-            <a:r>
-              <a:rPr lang="en-US" smtClean="0"/>
-              <a:t>Fifth level</a:t>
-            </a:r>
-            <a:endParaRPr lang="en-US"/>
-          </a:p>
-        </p:txBody>
-      </p:sp>
-      <p:sp>
-        <p:nvSpPr>
-          <p:cNvPr id="4" name="Date Placeholder 3"/>
-          <p:cNvSpPr>
-            <a:spLocks noGrp="1"/>
-          </p:cNvSpPr>
-          <p:nvPr>
-            <p:ph type="dt" sz="half" idx="10"/>
-          </p:nvPr>
-        </p:nvSpPr>
-        <p:spPr/>
-        <p:txBody>
-          <a:bodyPr/>
-          <a:lstStyle/>
-          <a:p>
-            <a:fld id="{2D6DAF89-3AED-471D-969C-B06C55BA83EF}" type="datetimeFigureOut">
-              <a:rPr lang="en-US" smtClean="0"/>
-              <a:t>7/7/2020</a:t>
-            </a:fld>
-            <a:endParaRPr lang="en-US"/>
-          </a:p>
-        </p:txBody>
-      </p:sp>
-      <p:sp>
-        <p:nvSpPr>
-          <p:cNvPr id="5" name="Footer Placeholder 4"/>
-          <p:cNvSpPr>
-            <a:spLocks noGrp="1"/>
-          </p:cNvSpPr>
-          <p:nvPr>
-            <p:ph type="ftr" sz="quarter" idx="11"/>
-          </p:nvPr>
-        </p:nvSpPr>
-        <p:spPr/>
-        <p:txBody>
-          <a:bodyPr/>
-          <a:lstStyle/>
-          <a:p>
-            <a:endParaRPr lang="en-US"/>
-          </a:p>
-        </p:txBody>
-      </p:sp>
-      <p:sp>
-        <p:nvSpPr>
-          <p:cNvPr id="6" name="Slide Number Placeholder 5"/>
-          <p:cNvSpPr>
-            <a:spLocks noGrp="1"/>
-          </p:cNvSpPr>
-          <p:nvPr>
-            <p:ph type="sldNum" sz="quarter" idx="12"/>
-          </p:nvPr>
-        </p:nvSpPr>
-        <p:spPr/>
-        <p:txBody>
-          <a:bodyPr/>
-          <a:lstStyle/>
-          <a:p>
-            <a:fld id="{A410139C-2CBA-4AFF-8448-84DD3ECCA96C}" type="slidenum">
-              <a:rPr lang="en-US" smtClean="0"/>
-              <a:t>‹#›</a:t>
-            </a:fld>
-            <a:endParaRPr lang="en-US"/>
-          </a:p>
-        </p:txBody>
-      </p:sp>
-    </p:spTree>
-    <p:extLst>
-      <p:ext uri="{BB962C8B-B14F-4D97-AF65-F5344CB8AC3E}">
-        <p14:creationId xmlns:p14="http://schemas.microsoft.com/office/powerpoint/2010/main" val="2078264507"/>
-      </p:ext>
-    </p:extLst>
-  </p:cSld>
-  <p:clrMapOvr>
-    <a:masterClrMapping/>
-  </p:clrMapOvr>
-</p:sldLayout>
-</file>
-
-<file path=ppt/slideLayouts/slideLayout11.xml><?xml version="1.0" encoding="utf-8"?>
-<p:sldLayout xmlns:a="http://schemas.openxmlformats.org/drawingml/2006/main" xmlns:r="http://schemas.openxmlformats.org/officeDocument/2006/relationships" xmlns:p="http://schemas.openxmlformats.org/presentationml/2006/main" type="vertTitleAndTx" preserve="1">
-  <p:cSld name="Vertical Title and Text">
-    <p:spTree>
-      <p:nvGrpSpPr>
-        <p:cNvPr id="1" name=""/>
-        <p:cNvGrpSpPr/>
-        <p:nvPr/>
-      </p:nvGrpSpPr>
-      <p:grpSpPr>
-        <a:xfrm>
-          <a:off x="0" y="0"/>
-          <a:ext cx="0" cy="0"/>
-          <a:chOff x="0" y="0"/>
-          <a:chExt cx="0" cy="0"/>
-        </a:xfrm>
-      </p:grpSpPr>
-      <p:sp>
-        <p:nvSpPr>
-          <p:cNvPr id="2" name="Vertical Title 1"/>
-          <p:cNvSpPr>
-            <a:spLocks noGrp="1"/>
-          </p:cNvSpPr>
-          <p:nvPr>
-            <p:ph type="title" orient="vert"/>
-          </p:nvPr>
-        </p:nvSpPr>
-        <p:spPr>
-          <a:xfrm>
-            <a:off x="17449800" y="730250"/>
-            <a:ext cx="5257800" cy="11623675"/>
-          </a:xfrm>
-        </p:spPr>
-        <p:txBody>
-          <a:bodyPr vert="eaVert"/>
-          <a:lstStyle/>
-          <a:p>
-            <a:r>
-              <a:rPr lang="en-US" smtClean="0"/>
-              <a:t>Click to edit Master title style</a:t>
-            </a:r>
-            <a:endParaRPr lang="en-US"/>
-          </a:p>
-        </p:txBody>
-      </p:sp>
-      <p:sp>
-        <p:nvSpPr>
-          <p:cNvPr id="3" name="Vertical Text Placeholder 2"/>
-          <p:cNvSpPr>
-            <a:spLocks noGrp="1"/>
-          </p:cNvSpPr>
-          <p:nvPr>
-            <p:ph type="body" orient="vert" idx="1"/>
-          </p:nvPr>
-        </p:nvSpPr>
-        <p:spPr>
-          <a:xfrm>
-            <a:off x="1676400" y="730250"/>
-            <a:ext cx="15621000" cy="11623675"/>
-          </a:xfrm>
-        </p:spPr>
-        <p:txBody>
-          <a:bodyPr vert="eaVert"/>
-          <a:lstStyle/>
-          <a:p>
-            <a:pPr lvl="0"/>
-            <a:r>
-              <a:rPr lang="en-US" smtClean="0"/>
-              <a:t>Edit Master text styles</a:t>
-            </a:r>
-          </a:p>
-          <a:p>
-            <a:pPr lvl="1"/>
-            <a:r>
-              <a:rPr lang="en-US" smtClean="0"/>
-              <a:t>Second level</a:t>
-            </a:r>
-          </a:p>
-          <a:p>
-            <a:pPr lvl="2"/>
-            <a:r>
-              <a:rPr lang="en-US" smtClean="0"/>
-              <a:t>Third level</a:t>
-            </a:r>
-          </a:p>
-          <a:p>
-            <a:pPr lvl="3"/>
-            <a:r>
-              <a:rPr lang="en-US" smtClean="0"/>
-              <a:t>Fourth level</a:t>
-            </a:r>
-          </a:p>
-          <a:p>
-            <a:pPr lvl="4"/>
-            <a:r>
-              <a:rPr lang="en-US" smtClean="0"/>
-              <a:t>Fifth level</a:t>
-            </a:r>
-            <a:endParaRPr lang="en-US"/>
-          </a:p>
-        </p:txBody>
-      </p:sp>
-      <p:sp>
-        <p:nvSpPr>
-          <p:cNvPr id="4" name="Date Placeholder 3"/>
-          <p:cNvSpPr>
-            <a:spLocks noGrp="1"/>
-          </p:cNvSpPr>
-          <p:nvPr>
-            <p:ph type="dt" sz="half" idx="10"/>
-          </p:nvPr>
-        </p:nvSpPr>
-        <p:spPr/>
-        <p:txBody>
-          <a:bodyPr/>
-          <a:lstStyle/>
-          <a:p>
-            <a:fld id="{2D6DAF89-3AED-471D-969C-B06C55BA83EF}" type="datetimeFigureOut">
-              <a:rPr lang="en-US" smtClean="0"/>
-              <a:t>7/7/2020</a:t>
-            </a:fld>
-            <a:endParaRPr lang="en-US"/>
-          </a:p>
-        </p:txBody>
-      </p:sp>
-      <p:sp>
-        <p:nvSpPr>
-          <p:cNvPr id="5" name="Footer Placeholder 4"/>
-          <p:cNvSpPr>
-            <a:spLocks noGrp="1"/>
-          </p:cNvSpPr>
-          <p:nvPr>
-            <p:ph type="ftr" sz="quarter" idx="11"/>
-          </p:nvPr>
-        </p:nvSpPr>
-        <p:spPr/>
-        <p:txBody>
-          <a:bodyPr/>
-          <a:lstStyle/>
-          <a:p>
-            <a:endParaRPr lang="en-US"/>
-          </a:p>
-        </p:txBody>
-      </p:sp>
-      <p:sp>
-        <p:nvSpPr>
-          <p:cNvPr id="6" name="Slide Number Placeholder 5"/>
-          <p:cNvSpPr>
-            <a:spLocks noGrp="1"/>
-          </p:cNvSpPr>
-          <p:nvPr>
-            <p:ph type="sldNum" sz="quarter" idx="12"/>
-          </p:nvPr>
-        </p:nvSpPr>
-        <p:spPr/>
-        <p:txBody>
-          <a:bodyPr/>
-          <a:lstStyle/>
-          <a:p>
-            <a:fld id="{A410139C-2CBA-4AFF-8448-84DD3ECCA96C}" type="slidenum">
-              <a:rPr lang="en-US" smtClean="0"/>
-              <a:t>‹#›</a:t>
-            </a:fld>
-            <a:endParaRPr lang="en-US"/>
-          </a:p>
-        </p:txBody>
-      </p:sp>
-    </p:spTree>
-    <p:extLst>
-      <p:ext uri="{BB962C8B-B14F-4D97-AF65-F5344CB8AC3E}">
-        <p14:creationId xmlns:p14="http://schemas.microsoft.com/office/powerpoint/2010/main" val="3396853183"/>
-      </p:ext>
-    </p:extLst>
-  </p:cSld>
-  <p:clrMapOvr>
-    <a:masterClrMapping/>
-  </p:clrMapOvr>
-</p:sldLayout>
-</file>
-
-<file path=ppt/slideLayouts/slideLayout2.xml><?xml version="1.0" encoding="utf-8"?>
+<file path=ppt/slideLayouts/slideLayout3.xml><?xml version="1.0" encoding="utf-8"?>
 <p:sldLayout xmlns:a="http://schemas.openxmlformats.org/drawingml/2006/main" xmlns:r="http://schemas.openxmlformats.org/officeDocument/2006/relationships" xmlns:p="http://schemas.openxmlformats.org/presentationml/2006/main" type="obj" preserve="1">
   <p:cSld name="Title and Content">
     <p:spTree>
@@ -1185,7 +1731,7 @@
 </p:sldLayout>
 </file>
 
-<file path=ppt/slideLayouts/slideLayout3.xml><?xml version="1.0" encoding="utf-8"?>
+<file path=ppt/slideLayouts/slideLayout4.xml><?xml version="1.0" encoding="utf-8"?>
 <p:sldLayout xmlns:a="http://schemas.openxmlformats.org/drawingml/2006/main" xmlns:r="http://schemas.openxmlformats.org/officeDocument/2006/relationships" xmlns:p="http://schemas.openxmlformats.org/presentationml/2006/main" type="secHead" preserve="1">
   <p:cSld name="Section Header">
     <p:spTree>
@@ -1431,7 +1977,7 @@
 </p:sldLayout>
 </file>
 
-<file path=ppt/slideLayouts/slideLayout4.xml><?xml version="1.0" encoding="utf-8"?>
+<file path=ppt/slideLayouts/slideLayout5.xml><?xml version="1.0" encoding="utf-8"?>
 <p:sldLayout xmlns:a="http://schemas.openxmlformats.org/drawingml/2006/main" xmlns:r="http://schemas.openxmlformats.org/officeDocument/2006/relationships" xmlns:p="http://schemas.openxmlformats.org/presentationml/2006/main" type="twoObj" preserve="1">
   <p:cSld name="Two Content">
     <p:spTree>
@@ -1663,7 +2209,7 @@
 </p:sldLayout>
 </file>
 
-<file path=ppt/slideLayouts/slideLayout5.xml><?xml version="1.0" encoding="utf-8"?>
+<file path=ppt/slideLayouts/slideLayout6.xml><?xml version="1.0" encoding="utf-8"?>
 <p:sldLayout xmlns:a="http://schemas.openxmlformats.org/drawingml/2006/main" xmlns:r="http://schemas.openxmlformats.org/officeDocument/2006/relationships" xmlns:p="http://schemas.openxmlformats.org/presentationml/2006/main" type="twoTxTwoObj" preserve="1">
   <p:cSld name="Comparison">
     <p:spTree>
@@ -2030,7 +2576,7 @@
 </p:sldLayout>
 </file>
 
-<file path=ppt/slideLayouts/slideLayout6.xml><?xml version="1.0" encoding="utf-8"?>
+<file path=ppt/slideLayouts/slideLayout7.xml><?xml version="1.0" encoding="utf-8"?>
 <p:sldLayout xmlns:a="http://schemas.openxmlformats.org/drawingml/2006/main" xmlns:r="http://schemas.openxmlformats.org/officeDocument/2006/relationships" xmlns:p="http://schemas.openxmlformats.org/presentationml/2006/main" type="titleOnly" preserve="1">
   <p:cSld name="Title Only">
     <p:spTree>
@@ -2148,7 +2694,7 @@
 </p:sldLayout>
 </file>
 
-<file path=ppt/slideLayouts/slideLayout7.xml><?xml version="1.0" encoding="utf-8"?>
+<file path=ppt/slideLayouts/slideLayout8.xml><?xml version="1.0" encoding="utf-8"?>
 <p:sldLayout xmlns:a="http://schemas.openxmlformats.org/drawingml/2006/main" xmlns:r="http://schemas.openxmlformats.org/officeDocument/2006/relationships" xmlns:p="http://schemas.openxmlformats.org/presentationml/2006/main" type="blank" preserve="1">
   <p:cSld name="Blank">
     <p:spTree>
@@ -2243,7 +2789,7 @@
 </p:sldLayout>
 </file>
 
-<file path=ppt/slideLayouts/slideLayout8.xml><?xml version="1.0" encoding="utf-8"?>
+<file path=ppt/slideLayouts/slideLayout9.xml><?xml version="1.0" encoding="utf-8"?>
 <p:sldLayout xmlns:a="http://schemas.openxmlformats.org/drawingml/2006/main" xmlns:r="http://schemas.openxmlformats.org/officeDocument/2006/relationships" xmlns:p="http://schemas.openxmlformats.org/presentationml/2006/main" type="objTx" preserve="1">
   <p:cSld name="Content with Caption">
     <p:spTree>
@@ -2520,259 +3066,6 @@
 </p:sldLayout>
 </file>
 
-<file path=ppt/slideLayouts/slideLayout9.xml><?xml version="1.0" encoding="utf-8"?>
-<p:sldLayout xmlns:a="http://schemas.openxmlformats.org/drawingml/2006/main" xmlns:r="http://schemas.openxmlformats.org/officeDocument/2006/relationships" xmlns:p="http://schemas.openxmlformats.org/presentationml/2006/main" type="picTx" preserve="1">
-  <p:cSld name="Picture with Caption">
-    <p:spTree>
-      <p:nvGrpSpPr>
-        <p:cNvPr id="1" name=""/>
-        <p:cNvGrpSpPr/>
-        <p:nvPr/>
-      </p:nvGrpSpPr>
-      <p:grpSpPr>
-        <a:xfrm>
-          <a:off x="0" y="0"/>
-          <a:ext cx="0" cy="0"/>
-          <a:chOff x="0" y="0"/>
-          <a:chExt cx="0" cy="0"/>
-        </a:xfrm>
-      </p:grpSpPr>
-      <p:sp>
-        <p:nvSpPr>
-          <p:cNvPr id="2" name="Title 1"/>
-          <p:cNvSpPr>
-            <a:spLocks noGrp="1"/>
-          </p:cNvSpPr>
-          <p:nvPr>
-            <p:ph type="title"/>
-          </p:nvPr>
-        </p:nvSpPr>
-        <p:spPr>
-          <a:xfrm>
-            <a:off x="1679575" y="914400"/>
-            <a:ext cx="7864475" cy="3200400"/>
-          </a:xfrm>
-        </p:spPr>
-        <p:txBody>
-          <a:bodyPr anchor="b"/>
-          <a:lstStyle>
-            <a:lvl1pPr>
-              <a:defRPr sz="3200"/>
-            </a:lvl1pPr>
-          </a:lstStyle>
-          <a:p>
-            <a:r>
-              <a:rPr lang="en-US" smtClean="0"/>
-              <a:t>Click to edit Master title style</a:t>
-            </a:r>
-            <a:endParaRPr lang="en-US"/>
-          </a:p>
-        </p:txBody>
-      </p:sp>
-      <p:sp>
-        <p:nvSpPr>
-          <p:cNvPr id="3" name="Picture Placeholder 2"/>
-          <p:cNvSpPr>
-            <a:spLocks noGrp="1"/>
-          </p:cNvSpPr>
-          <p:nvPr>
-            <p:ph type="pic" idx="1"/>
-          </p:nvPr>
-        </p:nvSpPr>
-        <p:spPr>
-          <a:xfrm>
-            <a:off x="10366375" y="1974850"/>
-            <a:ext cx="12344400" cy="9747250"/>
-          </a:xfrm>
-        </p:spPr>
-        <p:txBody>
-          <a:bodyPr/>
-          <a:lstStyle>
-            <a:lvl1pPr marL="0" indent="0">
-              <a:buNone/>
-              <a:defRPr sz="3200"/>
-            </a:lvl1pPr>
-            <a:lvl2pPr marL="457200" indent="0">
-              <a:buNone/>
-              <a:defRPr sz="2800"/>
-            </a:lvl2pPr>
-            <a:lvl3pPr marL="914400" indent="0">
-              <a:buNone/>
-              <a:defRPr sz="2400"/>
-            </a:lvl3pPr>
-            <a:lvl4pPr marL="1371600" indent="0">
-              <a:buNone/>
-              <a:defRPr sz="2000"/>
-            </a:lvl4pPr>
-            <a:lvl5pPr marL="1828800" indent="0">
-              <a:buNone/>
-              <a:defRPr sz="2000"/>
-            </a:lvl5pPr>
-            <a:lvl6pPr marL="2286000" indent="0">
-              <a:buNone/>
-              <a:defRPr sz="2000"/>
-            </a:lvl6pPr>
-            <a:lvl7pPr marL="2743200" indent="0">
-              <a:buNone/>
-              <a:defRPr sz="2000"/>
-            </a:lvl7pPr>
-            <a:lvl8pPr marL="3200400" indent="0">
-              <a:buNone/>
-              <a:defRPr sz="2000"/>
-            </a:lvl8pPr>
-            <a:lvl9pPr marL="3657600" indent="0">
-              <a:buNone/>
-              <a:defRPr sz="2000"/>
-            </a:lvl9pPr>
-          </a:lstStyle>
-          <a:p>
-            <a:endParaRPr lang="en-US"/>
-          </a:p>
-        </p:txBody>
-      </p:sp>
-      <p:sp>
-        <p:nvSpPr>
-          <p:cNvPr id="4" name="Text Placeholder 3"/>
-          <p:cNvSpPr>
-            <a:spLocks noGrp="1"/>
-          </p:cNvSpPr>
-          <p:nvPr>
-            <p:ph type="body" sz="half" idx="2"/>
-          </p:nvPr>
-        </p:nvSpPr>
-        <p:spPr>
-          <a:xfrm>
-            <a:off x="1679575" y="4114800"/>
-            <a:ext cx="7864475" cy="7623175"/>
-          </a:xfrm>
-        </p:spPr>
-        <p:txBody>
-          <a:bodyPr/>
-          <a:lstStyle>
-            <a:lvl1pPr marL="0" indent="0">
-              <a:buNone/>
-              <a:defRPr sz="1600"/>
-            </a:lvl1pPr>
-            <a:lvl2pPr marL="457200" indent="0">
-              <a:buNone/>
-              <a:defRPr sz="1400"/>
-            </a:lvl2pPr>
-            <a:lvl3pPr marL="914400" indent="0">
-              <a:buNone/>
-              <a:defRPr sz="1200"/>
-            </a:lvl3pPr>
-            <a:lvl4pPr marL="1371600" indent="0">
-              <a:buNone/>
-              <a:defRPr sz="1000"/>
-            </a:lvl4pPr>
-            <a:lvl5pPr marL="1828800" indent="0">
-              <a:buNone/>
-              <a:defRPr sz="1000"/>
-            </a:lvl5pPr>
-            <a:lvl6pPr marL="2286000" indent="0">
-              <a:buNone/>
-              <a:defRPr sz="1000"/>
-            </a:lvl6pPr>
-            <a:lvl7pPr marL="2743200" indent="0">
-              <a:buNone/>
-              <a:defRPr sz="1000"/>
-            </a:lvl7pPr>
-            <a:lvl8pPr marL="3200400" indent="0">
-              <a:buNone/>
-              <a:defRPr sz="1000"/>
-            </a:lvl8pPr>
-            <a:lvl9pPr marL="3657600" indent="0">
-              <a:buNone/>
-              <a:defRPr sz="1000"/>
-            </a:lvl9pPr>
-          </a:lstStyle>
-          <a:p>
-            <a:pPr lvl="0"/>
-            <a:r>
-              <a:rPr lang="en-US" smtClean="0"/>
-              <a:t>Edit Master text styles</a:t>
-            </a:r>
-          </a:p>
-        </p:txBody>
-      </p:sp>
-      <p:sp>
-        <p:nvSpPr>
-          <p:cNvPr id="5" name="Date Placeholder 4"/>
-          <p:cNvSpPr>
-            <a:spLocks noGrp="1"/>
-          </p:cNvSpPr>
-          <p:nvPr>
-            <p:ph type="dt" sz="half" idx="10"/>
-          </p:nvPr>
-        </p:nvSpPr>
-        <p:spPr/>
-        <p:txBody>
-          <a:bodyPr/>
-          <a:lstStyle/>
-          <a:p>
-            <a:fld id="{2D6DAF89-3AED-471D-969C-B06C55BA83EF}" type="datetimeFigureOut">
-              <a:rPr lang="en-US" smtClean="0"/>
-              <a:t>7/7/2020</a:t>
-            </a:fld>
-            <a:endParaRPr lang="en-US"/>
-          </a:p>
-        </p:txBody>
-      </p:sp>
-      <p:sp>
-        <p:nvSpPr>
-          <p:cNvPr id="6" name="Footer Placeholder 5"/>
-          <p:cNvSpPr>
-            <a:spLocks noGrp="1"/>
-          </p:cNvSpPr>
-          <p:nvPr>
-            <p:ph type="ftr" sz="quarter" idx="11"/>
-          </p:nvPr>
-        </p:nvSpPr>
-        <p:spPr/>
-        <p:txBody>
-          <a:bodyPr/>
-          <a:lstStyle/>
-          <a:p>
-            <a:endParaRPr lang="en-US"/>
-          </a:p>
-        </p:txBody>
-      </p:sp>
-      <p:sp>
-        <p:nvSpPr>
-          <p:cNvPr id="7" name="Slide Number Placeholder 6"/>
-          <p:cNvSpPr>
-            <a:spLocks noGrp="1"/>
-          </p:cNvSpPr>
-          <p:nvPr>
-            <p:ph type="sldNum" sz="quarter" idx="12"/>
-          </p:nvPr>
-        </p:nvSpPr>
-        <p:spPr/>
-        <p:txBody>
-          <a:bodyPr/>
-          <a:lstStyle/>
-          <a:p>
-            <a:fld id="{A410139C-2CBA-4AFF-8448-84DD3ECCA96C}" type="slidenum">
-              <a:rPr lang="en-US" smtClean="0"/>
-              <a:t>‹#›</a:t>
-            </a:fld>
-            <a:endParaRPr lang="en-US"/>
-          </a:p>
-        </p:txBody>
-      </p:sp>
-    </p:spTree>
-    <p:extLst>
-      <p:ext uri="{BB962C8B-B14F-4D97-AF65-F5344CB8AC3E}">
-        <p14:creationId xmlns:p14="http://schemas.microsoft.com/office/powerpoint/2010/main" val="1296366620"/>
-      </p:ext>
-    </p:extLst>
-  </p:cSld>
-  <p:clrMapOvr>
-    <a:masterClrMapping/>
-  </p:clrMapOvr>
-</p:sldLayout>
-</file>
-
 <file path=ppt/slideMasters/slideMaster1.xml><?xml version="1.0" encoding="utf-8"?>
 <p:sldMaster xmlns:a="http://schemas.openxmlformats.org/drawingml/2006/main" xmlns:r="http://schemas.openxmlformats.org/officeDocument/2006/relationships" xmlns:p="http://schemas.openxmlformats.org/presentationml/2006/main" preserve="1">
   <p:cSld>
@@ -3018,17 +3311,18 @@
   </p:cSld>
   <p:clrMap bg1="lt1" tx1="dk1" bg2="lt2" tx2="dk2" accent1="accent1" accent2="accent2" accent3="accent3" accent4="accent4" accent5="accent5" accent6="accent6" hlink="hlink" folHlink="folHlink"/>
   <p:sldLayoutIdLst>
-    <p:sldLayoutId id="2147483652" r:id="rId1"/>
-    <p:sldLayoutId id="2147483653" r:id="rId2"/>
-    <p:sldLayoutId id="2147483654" r:id="rId3"/>
-    <p:sldLayoutId id="2147483655" r:id="rId4"/>
-    <p:sldLayoutId id="2147483656" r:id="rId5"/>
-    <p:sldLayoutId id="2147483657" r:id="rId6"/>
-    <p:sldLayoutId id="2147483658" r:id="rId7"/>
-    <p:sldLayoutId id="2147483659" r:id="rId8"/>
-    <p:sldLayoutId id="2147483660" r:id="rId9"/>
-    <p:sldLayoutId id="2147483661" r:id="rId10"/>
-    <p:sldLayoutId id="2147483662" r:id="rId11"/>
+    <p:sldLayoutId id="2147483663" r:id="rId1"/>
+    <p:sldLayoutId id="2147483652" r:id="rId2"/>
+    <p:sldLayoutId id="2147483653" r:id="rId3"/>
+    <p:sldLayoutId id="2147483654" r:id="rId4"/>
+    <p:sldLayoutId id="2147483655" r:id="rId5"/>
+    <p:sldLayoutId id="2147483656" r:id="rId6"/>
+    <p:sldLayoutId id="2147483657" r:id="rId7"/>
+    <p:sldLayoutId id="2147483658" r:id="rId8"/>
+    <p:sldLayoutId id="2147483659" r:id="rId9"/>
+    <p:sldLayoutId id="2147483660" r:id="rId10"/>
+    <p:sldLayoutId id="2147483661" r:id="rId11"/>
+    <p:sldLayoutId id="2147483662" r:id="rId12"/>
   </p:sldLayoutIdLst>
   <p:timing>
     <p:tnLst>
@@ -3511,43 +3805,6 @@
       </p:sp>
       <p:sp>
         <p:nvSpPr>
-          <p:cNvPr id="2" name="Title 1"/>
-          <p:cNvSpPr>
-            <a:spLocks noGrp="1"/>
-          </p:cNvSpPr>
-          <p:nvPr>
-            <p:ph type="ctrTitle"/>
-          </p:nvPr>
-        </p:nvSpPr>
-        <p:spPr>
-          <a:xfrm>
-            <a:off x="3061126" y="773734"/>
-            <a:ext cx="18288000" cy="4775200"/>
-          </a:xfrm>
-        </p:spPr>
-        <p:txBody>
-          <a:bodyPr>
-            <a:normAutofit/>
-          </a:bodyPr>
-          <a:lstStyle/>
-          <a:p>
-            <a:r>
-              <a:rPr lang="en-US" sz="8800" dirty="0" smtClean="0"/>
-              <a:t>Welcome to the Association for Pathology Informatics </a:t>
-            </a:r>
-            <a:br>
-              <a:rPr lang="en-US" sz="8800" dirty="0" smtClean="0"/>
-            </a:br>
-            <a:r>
-              <a:rPr lang="en-US" sz="8800" dirty="0" smtClean="0"/>
-              <a:t>Introduction to R Workshop</a:t>
-            </a:r>
-            <a:endParaRPr lang="en-US" sz="8800" dirty="0"/>
-          </a:p>
-        </p:txBody>
-      </p:sp>
-      <p:sp>
-        <p:nvSpPr>
           <p:cNvPr id="3" name="Subtitle 2"/>
           <p:cNvSpPr>
             <a:spLocks noGrp="1"/>
@@ -3569,13 +3826,119 @@
           <a:lstStyle/>
           <a:p>
             <a:r>
-              <a:rPr lang="en-US" sz="4000" dirty="0" smtClean="0"/>
+              <a:rPr lang="en-US" sz="6000" dirty="0" smtClean="0"/>
               <a:t>Class will begin promptly at 1 pm eastern time</a:t>
             </a:r>
-            <a:endParaRPr lang="en-US" sz="4000" dirty="0"/>
-          </a:p>
-        </p:txBody>
-      </p:sp>
+            <a:endParaRPr lang="en-US" sz="6000" dirty="0"/>
+          </a:p>
+        </p:txBody>
+      </p:sp>
+      <p:sp>
+        <p:nvSpPr>
+          <p:cNvPr id="4" name="Title 3"/>
+          <p:cNvSpPr>
+            <a:spLocks noGrp="1"/>
+          </p:cNvSpPr>
+          <p:nvPr>
+            <p:ph type="ctrTitle"/>
+          </p:nvPr>
+        </p:nvSpPr>
+        <p:spPr/>
+        <p:txBody>
+          <a:bodyPr/>
+          <a:lstStyle/>
+          <a:p>
+            <a:endParaRPr lang="en-US"/>
+          </a:p>
+        </p:txBody>
+      </p:sp>
+      <p:sp>
+        <p:nvSpPr>
+          <p:cNvPr id="9" name="Title 1"/>
+          <p:cNvSpPr txBox="1">
+            <a:spLocks/>
+          </p:cNvSpPr>
+          <p:nvPr/>
+        </p:nvSpPr>
+        <p:spPr>
+          <a:xfrm>
+            <a:off x="3061126" y="773734"/>
+            <a:ext cx="18288000" cy="4775200"/>
+          </a:xfrm>
+          <a:prstGeom prst="rect">
+            <a:avLst/>
+          </a:prstGeom>
+        </p:spPr>
+        <p:txBody>
+          <a:bodyPr vert="horz" lIns="91440" tIns="45720" rIns="91440" bIns="45720" rtlCol="0" anchor="b">
+            <a:normAutofit/>
+          </a:bodyPr>
+          <a:lstStyle>
+            <a:lvl1pPr marL="0" marR="0" indent="0" algn="ctr" defTabSz="914400" rtl="0" eaLnBrk="1" fontAlgn="auto" latinLnBrk="0" hangingPunct="1">
+              <a:lnSpc>
+                <a:spcPct val="90000"/>
+              </a:lnSpc>
+              <a:spcBef>
+                <a:spcPct val="0"/>
+              </a:spcBef>
+              <a:spcAft>
+                <a:spcPts val="0"/>
+              </a:spcAft>
+              <a:buClrTx/>
+              <a:buSzTx/>
+              <a:buFontTx/>
+              <a:buNone/>
+              <a:tabLst/>
+              <a:defRPr sz="9600" kern="1200">
+                <a:solidFill>
+                  <a:schemeClr val="tx1"/>
+                </a:solidFill>
+                <a:latin typeface="+mj-lt"/>
+                <a:ea typeface="+mj-ea"/>
+                <a:cs typeface="+mj-cs"/>
+              </a:defRPr>
+            </a:lvl1pPr>
+          </a:lstStyle>
+          <a:p>
+            <a:r>
+              <a:rPr lang="en-US" sz="8800" smtClean="0"/>
+              <a:t>Welcome to the Association for Pathology Informatics </a:t>
+            </a:r>
+            <a:br>
+              <a:rPr lang="en-US" sz="8800" smtClean="0"/>
+            </a:br>
+            <a:r>
+              <a:rPr lang="en-US" sz="8800" smtClean="0"/>
+              <a:t>Introduction to R Workshop</a:t>
+            </a:r>
+            <a:endParaRPr lang="en-US" sz="8800" dirty="0" smtClean="0"/>
+          </a:p>
+        </p:txBody>
+      </p:sp>
+      <p:pic>
+        <p:nvPicPr>
+          <p:cNvPr id="10" name="Picture 9"/>
+          <p:cNvPicPr>
+            <a:picLocks noChangeAspect="1"/>
+          </p:cNvPicPr>
+          <p:nvPr/>
+        </p:nvPicPr>
+        <p:blipFill>
+          <a:blip r:embed="rId2"/>
+          <a:stretch>
+            <a:fillRect/>
+          </a:stretch>
+        </p:blipFill>
+        <p:spPr>
+          <a:xfrm>
+            <a:off x="-2067281" y="-909930"/>
+            <a:ext cx="6876348" cy="15337130"/>
+          </a:xfrm>
+          <a:prstGeom prst="rect">
+            <a:avLst/>
+          </a:prstGeom>
+        </p:spPr>
+      </p:pic>
     </p:spTree>
     <p:extLst>
       <p:ext uri="{BB962C8B-B14F-4D97-AF65-F5344CB8AC3E}">
@@ -3623,7 +3986,7 @@
                                     <p:cond delay="0"/>
                                   </p:stCondLst>
                                   <p:childTnLst>
-                                    <p:animMotion origin="layout" path="M 9.375E-7 2.40741E-6 L -0.88757 0.00636 " pathEditMode="relative" rAng="0" ptsTypes="AA">
+                                    <p:animMotion origin="layout" path="M -9.375E-7 2.96296E-6 L -0.88756 0.00636 " pathEditMode="relative" rAng="0" ptsTypes="AA">
                                       <p:cBhvr>
                                         <p:cTn id="6" dur="1000" fill="hold"/>
                                         <p:tgtEl>
@@ -3649,7 +4012,7 @@
                                     <p:cond delay="0"/>
                                   </p:stCondLst>
                                   <p:childTnLst>
-                                    <p:animMotion origin="layout" path="M 0.000000 0.000000 L 0.249963 0.000000" pathEditMode="relative">
+                                    <p:animMotion origin="layout" path="M 1.66667E-6 2.59259E-6 L 0.24993 2.59259E-6 " pathEditMode="relative" rAng="0" ptsTypes="AA">
                                       <p:cBhvr>
                                         <p:cTn id="8" dur="10000" fill="hold"/>
                                         <p:tgtEl>
@@ -3660,6 +4023,7 @@
                                           <p:attrName>ppt_y</p:attrName>
                                         </p:attrNameLst>
                                       </p:cBhvr>
+                                      <p:rCtr x="12493" y="0"/>
                                     </p:animMotion>
                                   </p:childTnLst>
                                 </p:cTn>
@@ -3679,7 +4043,7 @@
                                     <p:cond delay="0"/>
                                   </p:stCondLst>
                                   <p:childTnLst>
-                                    <p:animMotion origin="layout" path="M -0.88757 0.00636 L -1.58613 0.00324 " pathEditMode="relative" rAng="0" ptsTypes="AA">
+                                    <p:animMotion origin="layout" path="M -0.88756 0.00636 L -1.58613 0.00324 " pathEditMode="relative" rAng="0" ptsTypes="AA">
                                       <p:cBhvr>
                                         <p:cTn id="11" dur="1000" fill="hold"/>
                                         <p:tgtEl>
@@ -3925,43 +4289,6 @@
       </p:sp>
       <p:sp>
         <p:nvSpPr>
-          <p:cNvPr id="2" name="Title 1"/>
-          <p:cNvSpPr>
-            <a:spLocks noGrp="1"/>
-          </p:cNvSpPr>
-          <p:nvPr>
-            <p:ph type="ctrTitle"/>
-          </p:nvPr>
-        </p:nvSpPr>
-        <p:spPr>
-          <a:xfrm>
-            <a:off x="3061126" y="773734"/>
-            <a:ext cx="18288000" cy="4775200"/>
-          </a:xfrm>
-        </p:spPr>
-        <p:txBody>
-          <a:bodyPr>
-            <a:normAutofit/>
-          </a:bodyPr>
-          <a:lstStyle/>
-          <a:p>
-            <a:r>
-              <a:rPr lang="en-US" sz="8800" dirty="0" smtClean="0"/>
-              <a:t>Welcome to the Association for Pathology Informatics </a:t>
-            </a:r>
-            <a:br>
-              <a:rPr lang="en-US" sz="8800" dirty="0" smtClean="0"/>
-            </a:br>
-            <a:r>
-              <a:rPr lang="en-US" sz="8800" dirty="0" smtClean="0"/>
-              <a:t>Introduction to R Workshop</a:t>
-            </a:r>
-            <a:endParaRPr lang="en-US" sz="8800" dirty="0"/>
-          </a:p>
-        </p:txBody>
-      </p:sp>
-      <p:sp>
-        <p:nvSpPr>
           <p:cNvPr id="3" name="Subtitle 2"/>
           <p:cNvSpPr>
             <a:spLocks noGrp="1"/>
@@ -3983,17 +4310,123 @@
           <a:lstStyle/>
           <a:p>
             <a:r>
-              <a:rPr lang="en-US" sz="4000" dirty="0" smtClean="0"/>
+              <a:rPr lang="en-US" sz="6000" dirty="0" smtClean="0"/>
               <a:t>Please open up your browser to </a:t>
             </a:r>
             <a:r>
-              <a:rPr lang="en-US" sz="4000" dirty="0" err="1" smtClean="0"/>
+              <a:rPr lang="en-US" sz="6000" dirty="0" err="1" smtClean="0"/>
               <a:t>Rstudio.Cloud</a:t>
             </a:r>
-            <a:endParaRPr lang="en-US" sz="4000" dirty="0"/>
-          </a:p>
-        </p:txBody>
-      </p:sp>
+            <a:endParaRPr lang="en-US" sz="6000" dirty="0"/>
+          </a:p>
+        </p:txBody>
+      </p:sp>
+      <p:sp>
+        <p:nvSpPr>
+          <p:cNvPr id="5" name="Title 4"/>
+          <p:cNvSpPr>
+            <a:spLocks noGrp="1"/>
+          </p:cNvSpPr>
+          <p:nvPr>
+            <p:ph type="ctrTitle"/>
+          </p:nvPr>
+        </p:nvSpPr>
+        <p:spPr/>
+        <p:txBody>
+          <a:bodyPr/>
+          <a:lstStyle/>
+          <a:p>
+            <a:endParaRPr lang="en-US"/>
+          </a:p>
+        </p:txBody>
+      </p:sp>
+      <p:sp>
+        <p:nvSpPr>
+          <p:cNvPr id="10" name="Title 1"/>
+          <p:cNvSpPr txBox="1">
+            <a:spLocks/>
+          </p:cNvSpPr>
+          <p:nvPr/>
+        </p:nvSpPr>
+        <p:spPr>
+          <a:xfrm>
+            <a:off x="3061126" y="773734"/>
+            <a:ext cx="18288000" cy="4775200"/>
+          </a:xfrm>
+          <a:prstGeom prst="rect">
+            <a:avLst/>
+          </a:prstGeom>
+        </p:spPr>
+        <p:txBody>
+          <a:bodyPr vert="horz" lIns="91440" tIns="45720" rIns="91440" bIns="45720" rtlCol="0" anchor="b">
+            <a:normAutofit/>
+          </a:bodyPr>
+          <a:lstStyle>
+            <a:lvl1pPr marL="0" marR="0" indent="0" algn="ctr" defTabSz="914400" rtl="0" eaLnBrk="1" fontAlgn="auto" latinLnBrk="0" hangingPunct="1">
+              <a:lnSpc>
+                <a:spcPct val="90000"/>
+              </a:lnSpc>
+              <a:spcBef>
+                <a:spcPct val="0"/>
+              </a:spcBef>
+              <a:spcAft>
+                <a:spcPts val="0"/>
+              </a:spcAft>
+              <a:buClrTx/>
+              <a:buSzTx/>
+              <a:buFontTx/>
+              <a:buNone/>
+              <a:tabLst/>
+              <a:defRPr sz="9600" kern="1200">
+                <a:solidFill>
+                  <a:schemeClr val="tx1"/>
+                </a:solidFill>
+                <a:latin typeface="+mj-lt"/>
+                <a:ea typeface="+mj-ea"/>
+                <a:cs typeface="+mj-cs"/>
+              </a:defRPr>
+            </a:lvl1pPr>
+          </a:lstStyle>
+          <a:p>
+            <a:r>
+              <a:rPr lang="en-US" sz="8800" smtClean="0"/>
+              <a:t>Welcome to the Association for Pathology Informatics </a:t>
+            </a:r>
+            <a:br>
+              <a:rPr lang="en-US" sz="8800" smtClean="0"/>
+            </a:br>
+            <a:r>
+              <a:rPr lang="en-US" sz="8800" smtClean="0"/>
+              <a:t>Introduction to R Workshop</a:t>
+            </a:r>
+            <a:endParaRPr lang="en-US" sz="8800" dirty="0" smtClean="0"/>
+          </a:p>
+        </p:txBody>
+      </p:sp>
+      <p:pic>
+        <p:nvPicPr>
+          <p:cNvPr id="11" name="Picture 10"/>
+          <p:cNvPicPr>
+            <a:picLocks noChangeAspect="1"/>
+          </p:cNvPicPr>
+          <p:nvPr/>
+        </p:nvPicPr>
+        <p:blipFill>
+          <a:blip r:embed="rId2"/>
+          <a:stretch>
+            <a:fillRect/>
+          </a:stretch>
+        </p:blipFill>
+        <p:spPr>
+          <a:xfrm>
+            <a:off x="-2067281" y="-909930"/>
+            <a:ext cx="6876348" cy="15337130"/>
+          </a:xfrm>
+          <a:prstGeom prst="rect">
+            <a:avLst/>
+          </a:prstGeom>
+        </p:spPr>
+      </p:pic>
     </p:spTree>
     <p:extLst>
       <p:ext uri="{BB962C8B-B14F-4D97-AF65-F5344CB8AC3E}">
@@ -4041,7 +4474,7 @@
                                     <p:cond delay="0"/>
                                   </p:stCondLst>
                                   <p:childTnLst>
-                                    <p:animMotion origin="layout" path="M 9.375E-7 2.40741E-6 L -0.88757 0.00636 " pathEditMode="relative" rAng="0" ptsTypes="AA">
+                                    <p:animMotion origin="layout" path="M -9.375E-7 2.96296E-6 L -0.88756 0.00636 " pathEditMode="relative" rAng="0" ptsTypes="AA">
                                       <p:cBhvr>
                                         <p:cTn id="6" dur="1000" fill="hold"/>
                                         <p:tgtEl>
@@ -4097,7 +4530,7 @@
                                     <p:cond delay="0"/>
                                   </p:stCondLst>
                                   <p:childTnLst>
-                                    <p:animMotion origin="layout" path="M -0.88757 0.00636 L -1.58613 0.00324 " pathEditMode="relative" rAng="0" ptsTypes="AA">
+                                    <p:animMotion origin="layout" path="M -0.88756 0.00636 L -1.58613 0.00324 " pathEditMode="relative" rAng="0" ptsTypes="AA">
                                       <p:cBhvr>
                                         <p:cTn id="11" dur="1000" fill="hold"/>
                                         <p:tgtEl>
@@ -4343,43 +4776,6 @@
       </p:sp>
       <p:sp>
         <p:nvSpPr>
-          <p:cNvPr id="2" name="Title 1"/>
-          <p:cNvSpPr>
-            <a:spLocks noGrp="1"/>
-          </p:cNvSpPr>
-          <p:nvPr>
-            <p:ph type="ctrTitle"/>
-          </p:nvPr>
-        </p:nvSpPr>
-        <p:spPr>
-          <a:xfrm>
-            <a:off x="3061126" y="773734"/>
-            <a:ext cx="18288000" cy="4775200"/>
-          </a:xfrm>
-        </p:spPr>
-        <p:txBody>
-          <a:bodyPr>
-            <a:normAutofit/>
-          </a:bodyPr>
-          <a:lstStyle/>
-          <a:p>
-            <a:r>
-              <a:rPr lang="en-US" sz="8800" dirty="0" smtClean="0"/>
-              <a:t>Welcome to the Association for Pathology Informatics </a:t>
-            </a:r>
-            <a:br>
-              <a:rPr lang="en-US" sz="8800" dirty="0" smtClean="0"/>
-            </a:br>
-            <a:r>
-              <a:rPr lang="en-US" sz="8800" dirty="0" smtClean="0"/>
-              <a:t>Introduction to R Workshop</a:t>
-            </a:r>
-            <a:endParaRPr lang="en-US" sz="8800" dirty="0"/>
-          </a:p>
-        </p:txBody>
-      </p:sp>
-      <p:sp>
-        <p:nvSpPr>
           <p:cNvPr id="3" name="Subtitle 2"/>
           <p:cNvSpPr>
             <a:spLocks noGrp="1"/>
@@ -4414,6 +4810,112 @@
           </a:p>
           <a:p>
             <a:endParaRPr lang="en-US" sz="4000" dirty="0"/>
+          </a:p>
+        </p:txBody>
+      </p:sp>
+      <p:sp>
+        <p:nvSpPr>
+          <p:cNvPr id="4" name="Title 3"/>
+          <p:cNvSpPr>
+            <a:spLocks noGrp="1"/>
+          </p:cNvSpPr>
+          <p:nvPr>
+            <p:ph type="ctrTitle"/>
+          </p:nvPr>
+        </p:nvSpPr>
+        <p:spPr/>
+        <p:txBody>
+          <a:bodyPr/>
+          <a:lstStyle/>
+          <a:p>
+            <a:endParaRPr lang="en-US"/>
+          </a:p>
+        </p:txBody>
+      </p:sp>
+      <p:pic>
+        <p:nvPicPr>
+          <p:cNvPr id="5" name="Picture 4"/>
+          <p:cNvPicPr>
+            <a:picLocks noChangeAspect="1"/>
+          </p:cNvPicPr>
+          <p:nvPr/>
+        </p:nvPicPr>
+        <p:blipFill>
+          <a:blip r:embed="rId2"/>
+          <a:stretch>
+            <a:fillRect/>
+          </a:stretch>
+        </p:blipFill>
+        <p:spPr>
+          <a:xfrm>
+            <a:off x="-2067281" y="-909930"/>
+            <a:ext cx="6876348" cy="15337130"/>
+          </a:xfrm>
+          <a:prstGeom prst="rect">
+            <a:avLst/>
+          </a:prstGeom>
+        </p:spPr>
+      </p:pic>
+      <p:sp>
+        <p:nvSpPr>
+          <p:cNvPr id="10" name="Title 1"/>
+          <p:cNvSpPr txBox="1">
+            <a:spLocks/>
+          </p:cNvSpPr>
+          <p:nvPr/>
+        </p:nvSpPr>
+        <p:spPr>
+          <a:xfrm>
+            <a:off x="3061126" y="773734"/>
+            <a:ext cx="18288000" cy="4775200"/>
+          </a:xfrm>
+          <a:prstGeom prst="rect">
+            <a:avLst/>
+          </a:prstGeom>
+        </p:spPr>
+        <p:txBody>
+          <a:bodyPr vert="horz" lIns="91440" tIns="45720" rIns="91440" bIns="45720" rtlCol="0" anchor="b">
+            <a:normAutofit/>
+          </a:bodyPr>
+          <a:lstStyle>
+            <a:lvl1pPr marL="0" marR="0" indent="0" algn="ctr" defTabSz="914400" rtl="0" eaLnBrk="1" fontAlgn="auto" latinLnBrk="0" hangingPunct="1">
+              <a:lnSpc>
+                <a:spcPct val="90000"/>
+              </a:lnSpc>
+              <a:spcBef>
+                <a:spcPct val="0"/>
+              </a:spcBef>
+              <a:spcAft>
+                <a:spcPts val="0"/>
+              </a:spcAft>
+              <a:buClrTx/>
+              <a:buSzTx/>
+              <a:buFontTx/>
+              <a:buNone/>
+              <a:tabLst/>
+              <a:defRPr sz="9600" kern="1200">
+                <a:solidFill>
+                  <a:schemeClr val="tx1"/>
+                </a:solidFill>
+                <a:latin typeface="+mj-lt"/>
+                <a:ea typeface="+mj-ea"/>
+                <a:cs typeface="+mj-cs"/>
+              </a:defRPr>
+            </a:lvl1pPr>
+          </a:lstStyle>
+          <a:p>
+            <a:r>
+              <a:rPr lang="en-US" sz="8800" smtClean="0"/>
+              <a:t>Welcome to the Association for Pathology Informatics </a:t>
+            </a:r>
+            <a:br>
+              <a:rPr lang="en-US" sz="8800" smtClean="0"/>
+            </a:br>
+            <a:r>
+              <a:rPr lang="en-US" sz="8800" smtClean="0"/>
+              <a:t>Introduction to R Workshop</a:t>
+            </a:r>
+            <a:endParaRPr lang="en-US" sz="8800" dirty="0" smtClean="0"/>
           </a:p>
         </p:txBody>
       </p:sp>
@@ -4644,6 +5146,30 @@
           <a:chExt cx="0" cy="0"/>
         </a:xfrm>
       </p:grpSpPr>
+      <p:pic>
+        <p:nvPicPr>
+          <p:cNvPr id="13" name="Picture 12"/>
+          <p:cNvPicPr>
+            <a:picLocks noChangeAspect="1"/>
+          </p:cNvPicPr>
+          <p:nvPr/>
+        </p:nvPicPr>
+        <p:blipFill>
+          <a:blip r:embed="rId2"/>
+          <a:stretch>
+            <a:fillRect/>
+          </a:stretch>
+        </p:blipFill>
+        <p:spPr>
+          <a:xfrm>
+            <a:off x="-2067281" y="-909930"/>
+            <a:ext cx="6876348" cy="15337130"/>
+          </a:xfrm>
+          <a:prstGeom prst="rect">
+            <a:avLst/>
+          </a:prstGeom>
+        </p:spPr>
+      </p:pic>
       <p:sp>
         <p:nvSpPr>
           <p:cNvPr id="34" name="Shape 34"/>
@@ -4906,7 +5432,7 @@
             <p:nvPr/>
           </p:nvPicPr>
           <p:blipFill>
-            <a:blip r:embed="rId2"/>
+            <a:blip r:embed="rId3"/>
             <a:stretch>
               <a:fillRect/>
             </a:stretch>
@@ -4970,7 +5496,7 @@
             <p:nvPr/>
           </p:nvPicPr>
           <p:blipFill>
-            <a:blip r:embed="rId3"/>
+            <a:blip r:embed="rId4"/>
             <a:stretch>
               <a:fillRect/>
             </a:stretch>
@@ -5245,6 +5771,30 @@
           <a:chExt cx="0" cy="0"/>
         </a:xfrm>
       </p:grpSpPr>
+      <p:pic>
+        <p:nvPicPr>
+          <p:cNvPr id="8" name="Picture 7"/>
+          <p:cNvPicPr>
+            <a:picLocks noChangeAspect="1"/>
+          </p:cNvPicPr>
+          <p:nvPr/>
+        </p:nvPicPr>
+        <p:blipFill>
+          <a:blip r:embed="rId2"/>
+          <a:stretch>
+            <a:fillRect/>
+          </a:stretch>
+        </p:blipFill>
+        <p:spPr>
+          <a:xfrm>
+            <a:off x="-2067281" y="-909930"/>
+            <a:ext cx="6876348" cy="15337130"/>
+          </a:xfrm>
+          <a:prstGeom prst="rect">
+            <a:avLst/>
+          </a:prstGeom>
+        </p:spPr>
+      </p:pic>
       <p:sp>
         <p:nvSpPr>
           <p:cNvPr id="34" name="Shape 34"/>
@@ -5705,6 +6255,884 @@
     <p:bldLst>
       <p:bldP spid="3" grpId="0" build="allAtOnce"/>
       <p:bldP spid="3" grpId="1" build="allAtOnce"/>
+    </p:bldLst>
+  </p:timing>
+</p:sld>
+</file>
+
+<file path=ppt/slides/slide6.xml><?xml version="1.0" encoding="utf-8"?>
+<p:sld xmlns:a="http://schemas.openxmlformats.org/drawingml/2006/main" xmlns:r="http://schemas.openxmlformats.org/officeDocument/2006/relationships" xmlns:p="http://schemas.openxmlformats.org/presentationml/2006/main">
+  <p:cSld>
+    <p:spTree>
+      <p:nvGrpSpPr>
+        <p:cNvPr id="1" name=""/>
+        <p:cNvGrpSpPr/>
+        <p:nvPr/>
+      </p:nvGrpSpPr>
+      <p:grpSpPr>
+        <a:xfrm>
+          <a:off x="0" y="0"/>
+          <a:ext cx="0" cy="0"/>
+          <a:chOff x="0" y="0"/>
+          <a:chExt cx="0" cy="0"/>
+        </a:xfrm>
+      </p:grpSpPr>
+      <p:sp>
+        <p:nvSpPr>
+          <p:cNvPr id="34" name="Shape 34"/>
+          <p:cNvSpPr/>
+          <p:nvPr/>
+        </p:nvSpPr>
+        <p:spPr>
+          <a:xfrm>
+            <a:off x="9121259" y="12076356"/>
+            <a:ext cx="6095618" cy="567403"/>
+          </a:xfrm>
+          <a:prstGeom prst="roundRect">
+            <a:avLst>
+              <a:gd name="adj" fmla="val 0"/>
+            </a:avLst>
+          </a:prstGeom>
+          <a:solidFill>
+            <a:srgbClr val="C0C0C0"/>
+          </a:solidFill>
+          <a:ln w="12700">
+            <a:miter lim="400000"/>
+          </a:ln>
+        </p:spPr>
+        <p:txBody>
+          <a:bodyPr lIns="0" tIns="0" rIns="0" bIns="0" anchor="ctr"/>
+          <a:lstStyle/>
+          <a:p>
+            <a:pPr defTabSz="412750">
+              <a:defRPr sz="1600">
+                <a:solidFill>
+                  <a:srgbClr val="FFFFFF"/>
+                </a:solidFill>
+                <a:latin typeface="Helvetica Neue Medium"/>
+                <a:ea typeface="Helvetica Neue Medium"/>
+                <a:cs typeface="Helvetica Neue Medium"/>
+                <a:sym typeface="Helvetica Neue Medium"/>
+              </a:defRPr>
+            </a:pPr>
+            <a:endParaRPr/>
+          </a:p>
+        </p:txBody>
+      </p:sp>
+      <p:sp>
+        <p:nvSpPr>
+          <p:cNvPr id="35" name="Shape 35"/>
+          <p:cNvSpPr/>
+          <p:nvPr/>
+        </p:nvSpPr>
+        <p:spPr>
+          <a:xfrm>
+            <a:off x="9121259" y="12076356"/>
+            <a:ext cx="6095618" cy="567403"/>
+          </a:xfrm>
+          <a:prstGeom prst="roundRect">
+            <a:avLst>
+              <a:gd name="adj" fmla="val 0"/>
+            </a:avLst>
+          </a:prstGeom>
+          <a:solidFill>
+            <a:srgbClr val="FFFFFF">
+              <a:alpha val="40000"/>
+            </a:srgbClr>
+          </a:solidFill>
+          <a:ln w="12700">
+            <a:miter lim="400000"/>
+          </a:ln>
+        </p:spPr>
+        <p:txBody>
+          <a:bodyPr lIns="0" tIns="0" rIns="0" bIns="0" anchor="ctr"/>
+          <a:lstStyle/>
+          <a:p>
+            <a:pPr defTabSz="412750">
+              <a:defRPr sz="1600">
+                <a:solidFill>
+                  <a:srgbClr val="FFFFFF"/>
+                </a:solidFill>
+                <a:latin typeface="Helvetica Neue Medium"/>
+                <a:ea typeface="Helvetica Neue Medium"/>
+                <a:cs typeface="Helvetica Neue Medium"/>
+                <a:sym typeface="Helvetica Neue Medium"/>
+              </a:defRPr>
+            </a:pPr>
+            <a:endParaRPr/>
+          </a:p>
+        </p:txBody>
+      </p:sp>
+      <p:sp>
+        <p:nvSpPr>
+          <p:cNvPr id="36" name="Shape 36"/>
+          <p:cNvSpPr/>
+          <p:nvPr/>
+        </p:nvSpPr>
+        <p:spPr>
+          <a:xfrm>
+            <a:off x="3023492" y="12076356"/>
+            <a:ext cx="6095618" cy="567403"/>
+          </a:xfrm>
+          <a:prstGeom prst="roundRect">
+            <a:avLst>
+              <a:gd name="adj" fmla="val 0"/>
+            </a:avLst>
+          </a:prstGeom>
+          <a:solidFill>
+            <a:srgbClr val="FFFFFF">
+              <a:alpha val="79762"/>
+            </a:srgbClr>
+          </a:solidFill>
+          <a:ln w="12700">
+            <a:miter lim="400000"/>
+          </a:ln>
+        </p:spPr>
+        <p:txBody>
+          <a:bodyPr lIns="0" tIns="0" rIns="0" bIns="0" anchor="ctr"/>
+          <a:lstStyle/>
+          <a:p>
+            <a:pPr defTabSz="412750">
+              <a:defRPr sz="1600">
+                <a:solidFill>
+                  <a:srgbClr val="FFFFFF"/>
+                </a:solidFill>
+                <a:latin typeface="Helvetica Neue Medium"/>
+                <a:ea typeface="Helvetica Neue Medium"/>
+                <a:cs typeface="Helvetica Neue Medium"/>
+                <a:sym typeface="Helvetica Neue Medium"/>
+              </a:defRPr>
+            </a:pPr>
+            <a:endParaRPr/>
+          </a:p>
+        </p:txBody>
+      </p:sp>
+      <p:sp>
+        <p:nvSpPr>
+          <p:cNvPr id="37" name="Shape 37"/>
+          <p:cNvSpPr/>
+          <p:nvPr/>
+        </p:nvSpPr>
+        <p:spPr>
+          <a:xfrm>
+            <a:off x="9121259" y="12076356"/>
+            <a:ext cx="6095618" cy="567403"/>
+          </a:xfrm>
+          <a:prstGeom prst="roundRect">
+            <a:avLst>
+              <a:gd name="adj" fmla="val 0"/>
+            </a:avLst>
+          </a:prstGeom>
+          <a:ln w="50800">
+            <a:solidFill>
+              <a:srgbClr val="C0C0C0"/>
+            </a:solidFill>
+            <a:miter lim="400000"/>
+          </a:ln>
+        </p:spPr>
+        <p:txBody>
+          <a:bodyPr lIns="0" tIns="0" rIns="0" bIns="0" anchor="ctr"/>
+          <a:lstStyle/>
+          <a:p>
+            <a:pPr defTabSz="412750">
+              <a:defRPr sz="1600">
+                <a:solidFill>
+                  <a:srgbClr val="FFFFFF"/>
+                </a:solidFill>
+                <a:latin typeface="Helvetica Neue Medium"/>
+                <a:ea typeface="Helvetica Neue Medium"/>
+                <a:cs typeface="Helvetica Neue Medium"/>
+                <a:sym typeface="Helvetica Neue Medium"/>
+              </a:defRPr>
+            </a:pPr>
+            <a:endParaRPr/>
+          </a:p>
+        </p:txBody>
+      </p:sp>
+      <p:sp>
+        <p:nvSpPr>
+          <p:cNvPr id="2" name="Title 1"/>
+          <p:cNvSpPr>
+            <a:spLocks noGrp="1"/>
+          </p:cNvSpPr>
+          <p:nvPr>
+            <p:ph type="ctrTitle"/>
+          </p:nvPr>
+        </p:nvSpPr>
+        <p:spPr>
+          <a:xfrm>
+            <a:off x="3061126" y="773734"/>
+            <a:ext cx="18288000" cy="4775200"/>
+          </a:xfrm>
+        </p:spPr>
+        <p:txBody>
+          <a:bodyPr>
+            <a:normAutofit/>
+          </a:bodyPr>
+          <a:lstStyle/>
+          <a:p>
+            <a:r>
+              <a:rPr lang="en-US" sz="8800" dirty="0" smtClean="0"/>
+              <a:t>Welcome to the Association for Pathology Informatics </a:t>
+            </a:r>
+            <a:br>
+              <a:rPr lang="en-US" sz="8800" dirty="0" smtClean="0"/>
+            </a:br>
+            <a:r>
+              <a:rPr lang="en-US" sz="8800" dirty="0" smtClean="0"/>
+              <a:t>Introduction to R Workshop</a:t>
+            </a:r>
+            <a:endParaRPr lang="en-US" sz="8800" dirty="0"/>
+          </a:p>
+        </p:txBody>
+      </p:sp>
+      <p:sp>
+        <p:nvSpPr>
+          <p:cNvPr id="3" name="Subtitle 2"/>
+          <p:cNvSpPr>
+            <a:spLocks noGrp="1"/>
+          </p:cNvSpPr>
+          <p:nvPr>
+            <p:ph type="subTitle" idx="1"/>
+          </p:nvPr>
+        </p:nvSpPr>
+        <p:spPr>
+          <a:xfrm>
+            <a:off x="24541505" y="6994307"/>
+            <a:ext cx="18288000" cy="3311525"/>
+          </a:xfrm>
+        </p:spPr>
+        <p:txBody>
+          <a:bodyPr>
+            <a:normAutofit/>
+          </a:bodyPr>
+          <a:lstStyle/>
+          <a:p>
+            <a:r>
+              <a:rPr lang="en-US" sz="4000" dirty="0" smtClean="0"/>
+              <a:t>Please connect to audio with either your computer or phone – not both, to prevent echoing</a:t>
+            </a:r>
+            <a:endParaRPr lang="en-US" sz="4000" dirty="0"/>
+          </a:p>
+        </p:txBody>
+      </p:sp>
+      <p:pic>
+        <p:nvPicPr>
+          <p:cNvPr id="8" name="Picture 7"/>
+          <p:cNvPicPr>
+            <a:picLocks noChangeAspect="1"/>
+          </p:cNvPicPr>
+          <p:nvPr/>
+        </p:nvPicPr>
+        <p:blipFill>
+          <a:blip r:embed="rId2"/>
+          <a:stretch>
+            <a:fillRect/>
+          </a:stretch>
+        </p:blipFill>
+        <p:spPr>
+          <a:xfrm>
+            <a:off x="-2067281" y="-909930"/>
+            <a:ext cx="6876348" cy="15337130"/>
+          </a:xfrm>
+          <a:prstGeom prst="rect">
+            <a:avLst/>
+          </a:prstGeom>
+        </p:spPr>
+      </p:pic>
+    </p:spTree>
+    <p:extLst>
+      <p:ext uri="{BB962C8B-B14F-4D97-AF65-F5344CB8AC3E}">
+        <p14:creationId xmlns:p14="http://schemas.microsoft.com/office/powerpoint/2010/main" val="3954183428"/>
+      </p:ext>
+    </p:extLst>
+  </p:cSld>
+  <p:clrMapOvr>
+    <a:masterClrMapping/>
+  </p:clrMapOvr>
+  <mc:AlternateContent xmlns:mc="http://schemas.openxmlformats.org/markup-compatibility/2006">
+    <mc:Choice xmlns:p14="http://schemas.microsoft.com/office/powerpoint/2010/main" Requires="p14">
+      <p:transition spd="slow" p14:dur="2000" advClick="0" advTm="5500"/>
+    </mc:Choice>
+    <mc:Fallback>
+      <p:transition spd="slow" advClick="0" advTm="5500"/>
+    </mc:Fallback>
+  </mc:AlternateContent>
+  <p:timing>
+    <p:tnLst>
+      <p:par>
+        <p:cTn id="1" dur="indefinite" restart="never" fill="hold" nodeType="tmRoot">
+          <p:childTnLst>
+            <p:seq concurrent="1" prevAc="none" nextAc="seek">
+              <p:cTn id="2" dur="indefinite" fill="hold" nodeType="mainSeq">
+                <p:childTnLst>
+                  <p:par>
+                    <p:cTn id="3" fill="hold">
+                      <p:stCondLst>
+                        <p:cond delay="indefinite"/>
+                        <p:cond evt="onBegin" delay="0">
+                          <p:tn val="2"/>
+                        </p:cond>
+                      </p:stCondLst>
+                      <p:childTnLst>
+                        <p:par>
+                          <p:cTn id="4" fill="hold">
+                            <p:stCondLst>
+                              <p:cond delay="0"/>
+                            </p:stCondLst>
+                            <p:childTnLst>
+                              <p:par>
+                                <p:cTn id="5" presetID="35" presetClass="path" presetSubtype="0" decel="100000" fill="hold" grpId="0" nodeType="afterEffect">
+                                  <p:stCondLst>
+                                    <p:cond delay="0"/>
+                                  </p:stCondLst>
+                                  <p:childTnLst>
+                                    <p:animMotion origin="layout" path="M 9.375E-7 -7.40741E-7 L -0.88757 0.00637 " pathEditMode="relative" rAng="0" ptsTypes="AA">
+                                      <p:cBhvr>
+                                        <p:cTn id="6" dur="1000" fill="hold"/>
+                                        <p:tgtEl>
+                                          <p:spTgt spid="3">
+                                            <p:txEl>
+                                              <p:pRg st="0" end="0"/>
+                                            </p:txEl>
+                                          </p:spTgt>
+                                        </p:tgtEl>
+                                        <p:attrNameLst>
+                                          <p:attrName>ppt_x</p:attrName>
+                                          <p:attrName>ppt_y</p:attrName>
+                                        </p:attrNameLst>
+                                      </p:cBhvr>
+                                      <p:rCtr x="-44382" y="313"/>
+                                    </p:animMotion>
+                                  </p:childTnLst>
+                                </p:cTn>
+                              </p:par>
+                              <p:par>
+                                <p:cTn id="7" presetID="-1" presetClass="path" presetSubtype="0" fill="remove" nodeType="withEffect">
+                                  <p:stCondLst>
+                                    <p:cond delay="0"/>
+                                  </p:stCondLst>
+                                  <p:childTnLst>
+                                    <p:animMotion origin="layout" path="M 0.000000 0.000000 L 0.249963 0.000000" pathEditMode="relative">
+                                      <p:cBhvr>
+                                        <p:cTn id="8" dur="10000" fill="hold"/>
+                                        <p:tgtEl>
+                                          <p:spTgt spid="36"/>
+                                        </p:tgtEl>
+                                        <p:attrNameLst>
+                                          <p:attrName>ppt_x</p:attrName>
+                                          <p:attrName>ppt_y</p:attrName>
+                                        </p:attrNameLst>
+                                      </p:cBhvr>
+                                    </p:animMotion>
+                                  </p:childTnLst>
+                                </p:cTn>
+                              </p:par>
+                            </p:childTnLst>
+                          </p:cTn>
+                        </p:par>
+                        <p:par>
+                          <p:cTn id="9" fill="hold">
+                            <p:stCondLst>
+                              <p:cond delay="10000"/>
+                            </p:stCondLst>
+                            <p:childTnLst>
+                              <p:par>
+                                <p:cTn id="10" presetID="35" presetClass="path" presetSubtype="0" accel="100000" fill="hold" grpId="1" nodeType="afterEffect">
+                                  <p:stCondLst>
+                                    <p:cond delay="0"/>
+                                  </p:stCondLst>
+                                  <p:childTnLst>
+                                    <p:animMotion origin="layout" path="M -0.88757 0.00637 L -1.58613 0.00324 " pathEditMode="relative" rAng="0" ptsTypes="AA">
+                                      <p:cBhvr>
+                                        <p:cTn id="11" dur="1000" fill="hold"/>
+                                        <p:tgtEl>
+                                          <p:spTgt spid="3">
+                                            <p:txEl>
+                                              <p:pRg st="0" end="0"/>
+                                            </p:txEl>
+                                          </p:spTgt>
+                                        </p:tgtEl>
+                                        <p:attrNameLst>
+                                          <p:attrName>ppt_x</p:attrName>
+                                          <p:attrName>ppt_y</p:attrName>
+                                        </p:attrNameLst>
+                                      </p:cBhvr>
+                                      <p:rCtr x="-34928" y="-162"/>
+                                    </p:animMotion>
+                                  </p:childTnLst>
+                                </p:cTn>
+                              </p:par>
+                            </p:childTnLst>
+                          </p:cTn>
+                        </p:par>
+                      </p:childTnLst>
+                    </p:cTn>
+                  </p:par>
+                </p:childTnLst>
+              </p:cTn>
+              <p:prevCondLst>
+                <p:cond evt="onPrev" delay="0">
+                  <p:tgtEl>
+                    <p:sldTgt/>
+                  </p:tgtEl>
+                </p:cond>
+              </p:prevCondLst>
+              <p:nextCondLst>
+                <p:cond evt="onNext" delay="0">
+                  <p:tgtEl>
+                    <p:sldTgt/>
+                  </p:tgtEl>
+                </p:cond>
+              </p:nextCondLst>
+            </p:seq>
+          </p:childTnLst>
+        </p:cTn>
+      </p:par>
+    </p:tnLst>
+    <p:bldLst>
+      <p:bldP spid="3" grpId="0" build="p"/>
+      <p:bldP spid="3" grpId="1" build="p"/>
+    </p:bldLst>
+  </p:timing>
+</p:sld>
+</file>
+
+<file path=ppt/slides/slide7.xml><?xml version="1.0" encoding="utf-8"?>
+<p:sld xmlns:a="http://schemas.openxmlformats.org/drawingml/2006/main" xmlns:r="http://schemas.openxmlformats.org/officeDocument/2006/relationships" xmlns:p="http://schemas.openxmlformats.org/presentationml/2006/main">
+  <p:cSld>
+    <p:spTree>
+      <p:nvGrpSpPr>
+        <p:cNvPr id="1" name=""/>
+        <p:cNvGrpSpPr/>
+        <p:nvPr/>
+      </p:nvGrpSpPr>
+      <p:grpSpPr>
+        <a:xfrm>
+          <a:off x="0" y="0"/>
+          <a:ext cx="0" cy="0"/>
+          <a:chOff x="0" y="0"/>
+          <a:chExt cx="0" cy="0"/>
+        </a:xfrm>
+      </p:grpSpPr>
+      <p:sp>
+        <p:nvSpPr>
+          <p:cNvPr id="34" name="Shape 34"/>
+          <p:cNvSpPr/>
+          <p:nvPr/>
+        </p:nvSpPr>
+        <p:spPr>
+          <a:xfrm>
+            <a:off x="9121259" y="12076356"/>
+            <a:ext cx="6095618" cy="567403"/>
+          </a:xfrm>
+          <a:prstGeom prst="roundRect">
+            <a:avLst>
+              <a:gd name="adj" fmla="val 0"/>
+            </a:avLst>
+          </a:prstGeom>
+          <a:solidFill>
+            <a:srgbClr val="C0C0C0"/>
+          </a:solidFill>
+          <a:ln w="12700">
+            <a:miter lim="400000"/>
+          </a:ln>
+        </p:spPr>
+        <p:txBody>
+          <a:bodyPr lIns="0" tIns="0" rIns="0" bIns="0" anchor="ctr"/>
+          <a:lstStyle/>
+          <a:p>
+            <a:pPr defTabSz="412750">
+              <a:defRPr sz="1600">
+                <a:solidFill>
+                  <a:srgbClr val="FFFFFF"/>
+                </a:solidFill>
+                <a:latin typeface="Helvetica Neue Medium"/>
+                <a:ea typeface="Helvetica Neue Medium"/>
+                <a:cs typeface="Helvetica Neue Medium"/>
+                <a:sym typeface="Helvetica Neue Medium"/>
+              </a:defRPr>
+            </a:pPr>
+            <a:endParaRPr/>
+          </a:p>
+        </p:txBody>
+      </p:sp>
+      <p:sp>
+        <p:nvSpPr>
+          <p:cNvPr id="35" name="Shape 35"/>
+          <p:cNvSpPr/>
+          <p:nvPr/>
+        </p:nvSpPr>
+        <p:spPr>
+          <a:xfrm>
+            <a:off x="9121259" y="12076356"/>
+            <a:ext cx="6095618" cy="567403"/>
+          </a:xfrm>
+          <a:prstGeom prst="roundRect">
+            <a:avLst>
+              <a:gd name="adj" fmla="val 0"/>
+            </a:avLst>
+          </a:prstGeom>
+          <a:solidFill>
+            <a:srgbClr val="FFFFFF">
+              <a:alpha val="40000"/>
+            </a:srgbClr>
+          </a:solidFill>
+          <a:ln w="12700">
+            <a:miter lim="400000"/>
+          </a:ln>
+        </p:spPr>
+        <p:txBody>
+          <a:bodyPr lIns="0" tIns="0" rIns="0" bIns="0" anchor="ctr"/>
+          <a:lstStyle/>
+          <a:p>
+            <a:pPr defTabSz="412750">
+              <a:defRPr sz="1600">
+                <a:solidFill>
+                  <a:srgbClr val="FFFFFF"/>
+                </a:solidFill>
+                <a:latin typeface="Helvetica Neue Medium"/>
+                <a:ea typeface="Helvetica Neue Medium"/>
+                <a:cs typeface="Helvetica Neue Medium"/>
+                <a:sym typeface="Helvetica Neue Medium"/>
+              </a:defRPr>
+            </a:pPr>
+            <a:endParaRPr/>
+          </a:p>
+        </p:txBody>
+      </p:sp>
+      <p:sp>
+        <p:nvSpPr>
+          <p:cNvPr id="36" name="Shape 36"/>
+          <p:cNvSpPr/>
+          <p:nvPr/>
+        </p:nvSpPr>
+        <p:spPr>
+          <a:xfrm>
+            <a:off x="3023492" y="12076356"/>
+            <a:ext cx="6095618" cy="567403"/>
+          </a:xfrm>
+          <a:prstGeom prst="roundRect">
+            <a:avLst>
+              <a:gd name="adj" fmla="val 0"/>
+            </a:avLst>
+          </a:prstGeom>
+          <a:solidFill>
+            <a:srgbClr val="FFFFFF">
+              <a:alpha val="79762"/>
+            </a:srgbClr>
+          </a:solidFill>
+          <a:ln w="12700">
+            <a:miter lim="400000"/>
+          </a:ln>
+        </p:spPr>
+        <p:txBody>
+          <a:bodyPr lIns="0" tIns="0" rIns="0" bIns="0" anchor="ctr"/>
+          <a:lstStyle/>
+          <a:p>
+            <a:pPr defTabSz="412750">
+              <a:defRPr sz="1600">
+                <a:solidFill>
+                  <a:srgbClr val="FFFFFF"/>
+                </a:solidFill>
+                <a:latin typeface="Helvetica Neue Medium"/>
+                <a:ea typeface="Helvetica Neue Medium"/>
+                <a:cs typeface="Helvetica Neue Medium"/>
+                <a:sym typeface="Helvetica Neue Medium"/>
+              </a:defRPr>
+            </a:pPr>
+            <a:endParaRPr/>
+          </a:p>
+        </p:txBody>
+      </p:sp>
+      <p:sp>
+        <p:nvSpPr>
+          <p:cNvPr id="37" name="Shape 37"/>
+          <p:cNvSpPr/>
+          <p:nvPr/>
+        </p:nvSpPr>
+        <p:spPr>
+          <a:xfrm>
+            <a:off x="9121259" y="12076356"/>
+            <a:ext cx="6095618" cy="567403"/>
+          </a:xfrm>
+          <a:prstGeom prst="roundRect">
+            <a:avLst>
+              <a:gd name="adj" fmla="val 0"/>
+            </a:avLst>
+          </a:prstGeom>
+          <a:ln w="50800">
+            <a:solidFill>
+              <a:srgbClr val="C0C0C0"/>
+            </a:solidFill>
+            <a:miter lim="400000"/>
+          </a:ln>
+        </p:spPr>
+        <p:txBody>
+          <a:bodyPr lIns="0" tIns="0" rIns="0" bIns="0" anchor="ctr"/>
+          <a:lstStyle/>
+          <a:p>
+            <a:pPr defTabSz="412750">
+              <a:defRPr sz="1600">
+                <a:solidFill>
+                  <a:srgbClr val="FFFFFF"/>
+                </a:solidFill>
+                <a:latin typeface="Helvetica Neue Medium"/>
+                <a:ea typeface="Helvetica Neue Medium"/>
+                <a:cs typeface="Helvetica Neue Medium"/>
+                <a:sym typeface="Helvetica Neue Medium"/>
+              </a:defRPr>
+            </a:pPr>
+            <a:endParaRPr/>
+          </a:p>
+        </p:txBody>
+      </p:sp>
+      <p:sp>
+        <p:nvSpPr>
+          <p:cNvPr id="2" name="Title 1"/>
+          <p:cNvSpPr>
+            <a:spLocks noGrp="1"/>
+          </p:cNvSpPr>
+          <p:nvPr>
+            <p:ph type="ctrTitle"/>
+          </p:nvPr>
+        </p:nvSpPr>
+        <p:spPr>
+          <a:xfrm>
+            <a:off x="3061126" y="773734"/>
+            <a:ext cx="18288000" cy="4775200"/>
+          </a:xfrm>
+        </p:spPr>
+        <p:txBody>
+          <a:bodyPr>
+            <a:normAutofit/>
+          </a:bodyPr>
+          <a:lstStyle/>
+          <a:p>
+            <a:r>
+              <a:rPr lang="en-US" sz="8800" dirty="0" smtClean="0"/>
+              <a:t>Welcome to the Association for Pathology Informatics </a:t>
+            </a:r>
+            <a:br>
+              <a:rPr lang="en-US" sz="8800" dirty="0" smtClean="0"/>
+            </a:br>
+            <a:r>
+              <a:rPr lang="en-US" sz="8800" dirty="0" smtClean="0"/>
+              <a:t>Introduction to R Workshop</a:t>
+            </a:r>
+            <a:endParaRPr lang="en-US" sz="8800" dirty="0"/>
+          </a:p>
+        </p:txBody>
+      </p:sp>
+      <p:sp>
+        <p:nvSpPr>
+          <p:cNvPr id="3" name="Subtitle 2"/>
+          <p:cNvSpPr>
+            <a:spLocks noGrp="1"/>
+          </p:cNvSpPr>
+          <p:nvPr>
+            <p:ph type="subTitle" idx="1"/>
+          </p:nvPr>
+        </p:nvSpPr>
+        <p:spPr>
+          <a:xfrm>
+            <a:off x="24541505" y="6994307"/>
+            <a:ext cx="18288000" cy="3311525"/>
+          </a:xfrm>
+        </p:spPr>
+        <p:txBody>
+          <a:bodyPr>
+            <a:normAutofit/>
+          </a:bodyPr>
+          <a:lstStyle/>
+          <a:p>
+            <a:r>
+              <a:rPr lang="en-US" sz="4000" dirty="0" smtClean="0"/>
+              <a:t>Please remain muted while in the main workshop</a:t>
+            </a:r>
+          </a:p>
+          <a:p>
+            <a:endParaRPr lang="en-US" sz="4000" dirty="0"/>
+          </a:p>
+        </p:txBody>
+      </p:sp>
+      <p:pic>
+        <p:nvPicPr>
+          <p:cNvPr id="8" name="Picture 7"/>
+          <p:cNvPicPr>
+            <a:picLocks noChangeAspect="1"/>
+          </p:cNvPicPr>
+          <p:nvPr/>
+        </p:nvPicPr>
+        <p:blipFill>
+          <a:blip r:embed="rId2"/>
+          <a:stretch>
+            <a:fillRect/>
+          </a:stretch>
+        </p:blipFill>
+        <p:spPr>
+          <a:xfrm>
+            <a:off x="-2067281" y="-909930"/>
+            <a:ext cx="6876348" cy="15337130"/>
+          </a:xfrm>
+          <a:prstGeom prst="rect">
+            <a:avLst/>
+          </a:prstGeom>
+        </p:spPr>
+      </p:pic>
+    </p:spTree>
+    <p:extLst>
+      <p:ext uri="{BB962C8B-B14F-4D97-AF65-F5344CB8AC3E}">
+        <p14:creationId xmlns:p14="http://schemas.microsoft.com/office/powerpoint/2010/main" val="1946171105"/>
+      </p:ext>
+    </p:extLst>
+  </p:cSld>
+  <p:clrMapOvr>
+    <a:masterClrMapping/>
+  </p:clrMapOvr>
+  <mc:AlternateContent xmlns:mc="http://schemas.openxmlformats.org/markup-compatibility/2006">
+    <mc:Choice xmlns:p14="http://schemas.microsoft.com/office/powerpoint/2010/main" Requires="p14">
+      <p:transition spd="slow" p14:dur="2000" advClick="0" advTm="5500"/>
+    </mc:Choice>
+    <mc:Fallback>
+      <p:transition spd="slow" advClick="0" advTm="5500"/>
+    </mc:Fallback>
+  </mc:AlternateContent>
+  <p:timing>
+    <p:tnLst>
+      <p:par>
+        <p:cTn id="1" dur="indefinite" restart="never" fill="hold" nodeType="tmRoot">
+          <p:childTnLst>
+            <p:seq concurrent="1" prevAc="none" nextAc="seek">
+              <p:cTn id="2" dur="indefinite" fill="hold" nodeType="mainSeq">
+                <p:childTnLst>
+                  <p:par>
+                    <p:cTn id="3" fill="hold">
+                      <p:stCondLst>
+                        <p:cond delay="indefinite"/>
+                        <p:cond evt="onBegin" delay="0">
+                          <p:tn val="2"/>
+                        </p:cond>
+                      </p:stCondLst>
+                      <p:childTnLst>
+                        <p:par>
+                          <p:cTn id="4" fill="hold">
+                            <p:stCondLst>
+                              <p:cond delay="0"/>
+                            </p:stCondLst>
+                            <p:childTnLst>
+                              <p:par>
+                                <p:cTn id="5" presetID="35" presetClass="path" presetSubtype="0" decel="100000" fill="hold" grpId="0" nodeType="afterEffect">
+                                  <p:stCondLst>
+                                    <p:cond delay="0"/>
+                                  </p:stCondLst>
+                                  <p:childTnLst>
+                                    <p:animMotion origin="layout" path="M 9.375E-7 2.40741E-6 L -0.88757 0.00636 " pathEditMode="relative" rAng="0" ptsTypes="AA">
+                                      <p:cBhvr>
+                                        <p:cTn id="6" dur="1000" fill="hold"/>
+                                        <p:tgtEl>
+                                          <p:spTgt spid="3">
+                                            <p:txEl>
+                                              <p:pRg st="0" end="0"/>
+                                            </p:txEl>
+                                          </p:spTgt>
+                                        </p:tgtEl>
+                                        <p:attrNameLst>
+                                          <p:attrName>ppt_x</p:attrName>
+                                          <p:attrName>ppt_y</p:attrName>
+                                        </p:attrNameLst>
+                                      </p:cBhvr>
+                                      <p:rCtr x="-44382" y="313"/>
+                                    </p:animMotion>
+                                  </p:childTnLst>
+                                </p:cTn>
+                              </p:par>
+                              <p:par>
+                                <p:cTn id="7" presetID="-1" presetClass="path" presetSubtype="0" fill="remove" nodeType="withEffect">
+                                  <p:stCondLst>
+                                    <p:cond delay="0"/>
+                                  </p:stCondLst>
+                                  <p:childTnLst>
+                                    <p:animMotion origin="layout" path="M 0.000000 0.000000 L 0.249963 0.000000" pathEditMode="relative">
+                                      <p:cBhvr>
+                                        <p:cTn id="8" dur="10000" fill="hold"/>
+                                        <p:tgtEl>
+                                          <p:spTgt spid="36"/>
+                                        </p:tgtEl>
+                                        <p:attrNameLst>
+                                          <p:attrName>ppt_x</p:attrName>
+                                          <p:attrName>ppt_y</p:attrName>
+                                        </p:attrNameLst>
+                                      </p:cBhvr>
+                                    </p:animMotion>
+                                  </p:childTnLst>
+                                </p:cTn>
+                              </p:par>
+                            </p:childTnLst>
+                          </p:cTn>
+                        </p:par>
+                        <p:par>
+                          <p:cTn id="9" fill="hold">
+                            <p:stCondLst>
+                              <p:cond delay="10000"/>
+                            </p:stCondLst>
+                            <p:childTnLst>
+                              <p:par>
+                                <p:cTn id="10" presetID="35" presetClass="path" presetSubtype="0" accel="100000" fill="hold" grpId="1" nodeType="afterEffect">
+                                  <p:stCondLst>
+                                    <p:cond delay="0"/>
+                                  </p:stCondLst>
+                                  <p:childTnLst>
+                                    <p:animMotion origin="layout" path="M -0.88757 0.00636 L -1.58613 0.00324 " pathEditMode="relative" rAng="0" ptsTypes="AA">
+                                      <p:cBhvr>
+                                        <p:cTn id="11" dur="1000" fill="hold"/>
+                                        <p:tgtEl>
+                                          <p:spTgt spid="3">
+                                            <p:txEl>
+                                              <p:pRg st="0" end="0"/>
+                                            </p:txEl>
+                                          </p:spTgt>
+                                        </p:tgtEl>
+                                        <p:attrNameLst>
+                                          <p:attrName>ppt_x</p:attrName>
+                                          <p:attrName>ppt_y</p:attrName>
+                                        </p:attrNameLst>
+                                      </p:cBhvr>
+                                      <p:rCtr x="-34928" y="-162"/>
+                                    </p:animMotion>
+                                  </p:childTnLst>
+                                </p:cTn>
+                              </p:par>
+                            </p:childTnLst>
+                          </p:cTn>
+                        </p:par>
+                      </p:childTnLst>
+                    </p:cTn>
+                  </p:par>
+                </p:childTnLst>
+              </p:cTn>
+              <p:prevCondLst>
+                <p:cond evt="onPrev" delay="0">
+                  <p:tgtEl>
+                    <p:sldTgt/>
+                  </p:tgtEl>
+                </p:cond>
+              </p:prevCondLst>
+              <p:nextCondLst>
+                <p:cond evt="onNext" delay="0">
+                  <p:tgtEl>
+                    <p:sldTgt/>
+                  </p:tgtEl>
+                </p:cond>
+              </p:nextCondLst>
+            </p:seq>
+          </p:childTnLst>
+        </p:cTn>
+      </p:par>
+    </p:tnLst>
+    <p:bldLst>
+      <p:bldP spid="3" grpId="0" uiExpand="1" build="p"/>
+      <p:bldP spid="3" grpId="1" uiExpand="1" build="p"/>
     </p:bldLst>
   </p:timing>
 </p:sld>
